--- a/ONIP/onip_b1_methodes_numeriques/seance2_equation_diff/B1_s4_1_Approche_Systeme.pptx
+++ b/ONIP/onip_b1_methodes_numeriques/seance2_equation_diff/B1_s4_1_Approche_Systeme.pptx
@@ -19,21 +19,21 @@
     <p:sldId id="310" r:id="rId10"/>
     <p:sldId id="309" r:id="rId11"/>
     <p:sldId id="261" r:id="rId12"/>
-    <p:sldId id="312" r:id="rId13"/>
-    <p:sldId id="313" r:id="rId14"/>
-    <p:sldId id="314" r:id="rId15"/>
-    <p:sldId id="284" r:id="rId16"/>
-    <p:sldId id="319" r:id="rId17"/>
-    <p:sldId id="320" r:id="rId18"/>
-    <p:sldId id="321" r:id="rId19"/>
-    <p:sldId id="322" r:id="rId20"/>
-    <p:sldId id="323" r:id="rId21"/>
-    <p:sldId id="324" r:id="rId22"/>
-    <p:sldId id="315" r:id="rId23"/>
-    <p:sldId id="327" r:id="rId24"/>
-    <p:sldId id="328" r:id="rId25"/>
-    <p:sldId id="326" r:id="rId26"/>
-    <p:sldId id="325" r:id="rId27"/>
+    <p:sldId id="329" r:id="rId13"/>
+    <p:sldId id="312" r:id="rId14"/>
+    <p:sldId id="313" r:id="rId15"/>
+    <p:sldId id="314" r:id="rId16"/>
+    <p:sldId id="284" r:id="rId17"/>
+    <p:sldId id="319" r:id="rId18"/>
+    <p:sldId id="320" r:id="rId19"/>
+    <p:sldId id="321" r:id="rId20"/>
+    <p:sldId id="322" r:id="rId21"/>
+    <p:sldId id="323" r:id="rId22"/>
+    <p:sldId id="324" r:id="rId23"/>
+    <p:sldId id="315" r:id="rId24"/>
+    <p:sldId id="327" r:id="rId25"/>
+    <p:sldId id="328" r:id="rId26"/>
+    <p:sldId id="326" r:id="rId27"/>
     <p:sldId id="316" r:id="rId28"/>
     <p:sldId id="317" r:id="rId29"/>
     <p:sldId id="318" r:id="rId30"/>
@@ -227,7 +227,7 @@
           <a:p>
             <a:fld id="{95F60532-AC81-4152-B45E-E054A978F780}" type="datetimeFigureOut">
               <a:rPr lang="fr-FR" smtClean="0"/>
-              <a:t>12/05/2023</a:t>
+              <a:t>18/07/2023</a:t>
             </a:fld>
             <a:endParaRPr lang="fr-FR"/>
           </a:p>
@@ -494,6 +494,90 @@
 </p:notesMaster>
 </file>
 
+<file path=ppt/notesSlides/notesSlide1.xml><?xml version="1.0" encoding="utf-8"?>
+<p:notes xmlns:a="http://schemas.openxmlformats.org/drawingml/2006/main" xmlns:r="http://schemas.openxmlformats.org/officeDocument/2006/relationships" xmlns:p="http://schemas.openxmlformats.org/presentationml/2006/main">
+  <p:cSld>
+    <p:spTree>
+      <p:nvGrpSpPr>
+        <p:cNvPr id="1" name=""/>
+        <p:cNvGrpSpPr/>
+        <p:nvPr/>
+      </p:nvGrpSpPr>
+      <p:grpSpPr>
+        <a:xfrm>
+          <a:off x="0" y="0"/>
+          <a:ext cx="0" cy="0"/>
+          <a:chOff x="0" y="0"/>
+          <a:chExt cx="0" cy="0"/>
+        </a:xfrm>
+      </p:grpSpPr>
+      <p:sp>
+        <p:nvSpPr>
+          <p:cNvPr id="2" name="Espace réservé de l'image des diapositives 1"/>
+          <p:cNvSpPr>
+            <a:spLocks noGrp="1" noRot="1" noChangeAspect="1"/>
+          </p:cNvSpPr>
+          <p:nvPr>
+            <p:ph type="sldImg"/>
+          </p:nvPr>
+        </p:nvSpPr>
+        <p:spPr/>
+      </p:sp>
+      <p:sp>
+        <p:nvSpPr>
+          <p:cNvPr id="3" name="Espace réservé des notes 2"/>
+          <p:cNvSpPr>
+            <a:spLocks noGrp="1"/>
+          </p:cNvSpPr>
+          <p:nvPr>
+            <p:ph type="body" idx="1"/>
+          </p:nvPr>
+        </p:nvSpPr>
+        <p:spPr/>
+        <p:txBody>
+          <a:bodyPr/>
+          <a:lstStyle/>
+          <a:p>
+            <a:endParaRPr lang="fr-FR" dirty="0"/>
+          </a:p>
+        </p:txBody>
+      </p:sp>
+      <p:sp>
+        <p:nvSpPr>
+          <p:cNvPr id="4" name="Espace réservé du numéro de diapositive 3"/>
+          <p:cNvSpPr>
+            <a:spLocks noGrp="1"/>
+          </p:cNvSpPr>
+          <p:nvPr>
+            <p:ph type="sldNum" sz="quarter" idx="5"/>
+          </p:nvPr>
+        </p:nvSpPr>
+        <p:spPr/>
+        <p:txBody>
+          <a:bodyPr/>
+          <a:lstStyle/>
+          <a:p>
+            <a:fld id="{60442375-3312-4D90-8484-18A4A9E416C1}" type="slidenum">
+              <a:rPr lang="fr-FR" smtClean="0"/>
+              <a:t>12</a:t>
+            </a:fld>
+            <a:endParaRPr lang="fr-FR"/>
+          </a:p>
+        </p:txBody>
+      </p:sp>
+    </p:spTree>
+    <p:extLst>
+      <p:ext uri="{BB962C8B-B14F-4D97-AF65-F5344CB8AC3E}">
+        <p14:creationId xmlns:p14="http://schemas.microsoft.com/office/powerpoint/2010/main" val="1446102691"/>
+      </p:ext>
+    </p:extLst>
+  </p:cSld>
+  <p:clrMapOvr>
+    <a:masterClrMapping/>
+  </p:clrMapOvr>
+</p:notes>
+</file>
+
 <file path=ppt/slideLayouts/slideLayout1.xml><?xml version="1.0" encoding="utf-8"?>
 <p:sldLayout xmlns:a="http://schemas.openxmlformats.org/drawingml/2006/main" xmlns:r="http://schemas.openxmlformats.org/officeDocument/2006/relationships" xmlns:p="http://schemas.openxmlformats.org/presentationml/2006/main" type="title" preserve="1">
   <p:cSld name="Title Slide">
@@ -650,7 +734,7 @@
           <a:p>
             <a:fld id="{785B9D93-2D6F-4658-911E-89FF557AACEE}" type="datetime1">
               <a:rPr lang="en-US" smtClean="0"/>
-              <a:t>5/12/2023</a:t>
+              <a:t>7/18/2023</a:t>
             </a:fld>
             <a:endParaRPr lang="en-US" dirty="0"/>
           </a:p>
@@ -1020,7 +1104,7 @@
           <a:p>
             <a:fld id="{4709A133-4251-46D0-8E1C-3DC2CCEEC594}" type="datetime1">
               <a:rPr lang="en-US" smtClean="0"/>
-              <a:t>5/12/2023</a:t>
+              <a:t>7/18/2023</a:t>
             </a:fld>
             <a:endParaRPr lang="en-US"/>
           </a:p>
@@ -1229,7 +1313,7 @@
           <a:p>
             <a:fld id="{757C9D7A-C246-41BC-AB36-CBBE03C4FC3D}" type="datetime1">
               <a:rPr lang="en-US" smtClean="0"/>
-              <a:t>5/12/2023</a:t>
+              <a:t>7/18/2023</a:t>
             </a:fld>
             <a:endParaRPr lang="en-US"/>
           </a:p>
@@ -1699,7 +1783,7 @@
           <a:p>
             <a:fld id="{DD23859D-5799-4C59-B29C-0D397C1B3B07}" type="datetime1">
               <a:rPr lang="en-US" smtClean="0"/>
-              <a:t>5/12/2023</a:t>
+              <a:t>7/18/2023</a:t>
             </a:fld>
             <a:endParaRPr lang="en-US"/>
           </a:p>
@@ -2153,7 +2237,7 @@
           <a:p>
             <a:fld id="{B36A9650-6794-4EE4-9500-0C43A7CB6B4A}" type="datetime1">
               <a:rPr lang="en-US" smtClean="0"/>
-              <a:t>5/12/2023</a:t>
+              <a:t>7/18/2023</a:t>
             </a:fld>
             <a:endParaRPr lang="en-US"/>
           </a:p>
@@ -2685,7 +2769,7 @@
           <a:p>
             <a:fld id="{1792256C-3121-4D72-8DFF-855B713C834E}" type="datetime1">
               <a:rPr lang="en-US" smtClean="0"/>
-              <a:t>5/12/2023</a:t>
+              <a:t>7/18/2023</a:t>
             </a:fld>
             <a:endParaRPr lang="en-US"/>
           </a:p>
@@ -3384,7 +3468,7 @@
           <a:p>
             <a:fld id="{580DF3A2-C727-46A5-9AC9-16B2E63C7D3A}" type="datetime1">
               <a:rPr lang="en-US" smtClean="0"/>
-              <a:t>5/12/2023</a:t>
+              <a:t>7/18/2023</a:t>
             </a:fld>
             <a:endParaRPr lang="en-US"/>
           </a:p>
@@ -3713,7 +3797,7 @@
           <a:p>
             <a:fld id="{9D23748C-796D-4F23-89AF-A2738DF446EE}" type="datetime1">
               <a:rPr lang="en-US" smtClean="0"/>
-              <a:t>5/12/2023</a:t>
+              <a:t>7/18/2023</a:t>
             </a:fld>
             <a:endParaRPr lang="en-US"/>
           </a:p>
@@ -3826,7 +3910,7 @@
           <a:p>
             <a:fld id="{B3AFB1A7-BA76-4344-B812-B8E53F62AA62}" type="datetime1">
               <a:rPr lang="en-US" smtClean="0"/>
-              <a:t>5/12/2023</a:t>
+              <a:t>7/18/2023</a:t>
             </a:fld>
             <a:endParaRPr lang="en-US"/>
           </a:p>
@@ -4321,7 +4405,7 @@
           <a:p>
             <a:fld id="{D2DB139E-AA5F-415E-A7EE-D6EE1B304D34}" type="datetime1">
               <a:rPr lang="en-US" smtClean="0"/>
-              <a:t>5/12/2023</a:t>
+              <a:t>7/18/2023</a:t>
             </a:fld>
             <a:endParaRPr lang="en-US" dirty="0"/>
           </a:p>
@@ -4798,7 +4882,7 @@
           <a:p>
             <a:fld id="{B0611B75-8EAE-4E82-AD4E-BC980BBD0DF6}" type="datetime1">
               <a:rPr lang="en-US" smtClean="0"/>
-              <a:t>5/12/2023</a:t>
+              <a:t>7/18/2023</a:t>
             </a:fld>
             <a:endParaRPr lang="en-US"/>
           </a:p>
@@ -5041,7 +5125,7 @@
           <a:p>
             <a:fld id="{5A39691B-EC2E-4EEE-9557-97A59C128178}" type="datetime1">
               <a:rPr lang="en-US" smtClean="0"/>
-              <a:t>5/12/2023</a:t>
+              <a:t>7/18/2023</a:t>
             </a:fld>
             <a:endParaRPr lang="en-US"/>
           </a:p>
@@ -5475,7 +5559,7 @@
                 <a16:creationId xmlns:a16="http://schemas.microsoft.com/office/drawing/2014/main" id="{526E0BFB-CDF1-4990-8C11-AC849311E0A8}"/>
               </a:ext>
               <a:ext uri="{C183D7F6-B498-43B3-948B-1728B52AA6E4}">
-                <adec:decorative xmlns:adec="http://schemas.microsoft.com/office/drawing/2017/decorative" xmlns="" val="1"/>
+                <adec:decorative xmlns:adec="http://schemas.microsoft.com/office/drawing/2017/decorative" val="1"/>
               </a:ext>
             </a:extLst>
           </p:cNvPr>
@@ -5564,7 +5648,7 @@
                 <a16:creationId xmlns:a16="http://schemas.microsoft.com/office/drawing/2014/main" id="{6069A1F8-9BEB-4786-9694-FC48B2D75D21}"/>
               </a:ext>
               <a:ext uri="{C183D7F6-B498-43B3-948B-1728B52AA6E4}">
-                <adec:decorative xmlns:adec="http://schemas.microsoft.com/office/drawing/2017/decorative" xmlns="" val="1"/>
+                <adec:decorative xmlns:adec="http://schemas.microsoft.com/office/drawing/2017/decorative" val="1"/>
               </a:ext>
             </a:extLst>
           </p:cNvPr>
@@ -5715,7 +5799,7 @@
                 <a16:creationId xmlns:a16="http://schemas.microsoft.com/office/drawing/2014/main" id="{AF2F604E-43BE-4DC3-B983-E071523364F8}"/>
               </a:ext>
               <a:ext uri="{C183D7F6-B498-43B3-948B-1728B52AA6E4}">
-                <adec:decorative xmlns:adec="http://schemas.microsoft.com/office/drawing/2017/decorative" xmlns="" val="1"/>
+                <adec:decorative xmlns:adec="http://schemas.microsoft.com/office/drawing/2017/decorative" val="1"/>
               </a:ext>
             </a:extLst>
           </p:cNvPr>
@@ -5807,7 +5891,7 @@
                 <a16:creationId xmlns:a16="http://schemas.microsoft.com/office/drawing/2014/main" id="{08C9B587-E65E-4B52-B37C-ABEBB6E87928}"/>
               </a:ext>
               <a:ext uri="{C183D7F6-B498-43B3-948B-1728B52AA6E4}">
-                <adec:decorative xmlns:adec="http://schemas.microsoft.com/office/drawing/2017/decorative" xmlns="" val="1"/>
+                <adec:decorative xmlns:adec="http://schemas.microsoft.com/office/drawing/2017/decorative" val="1"/>
               </a:ext>
             </a:extLst>
           </p:cNvPr>
@@ -6997,8 +7081,8 @@
           </p:sp>
         </mc:Fallback>
       </mc:AlternateContent>
-      <mc:AlternateContent xmlns:mc="http://schemas.openxmlformats.org/markup-compatibility/2006">
-        <mc:Choice xmlns:a14="http://schemas.microsoft.com/office/drawing/2010/main" Requires="a14">
+      <mc:AlternateContent xmlns:mc="http://schemas.openxmlformats.org/markup-compatibility/2006" xmlns:a14="http://schemas.microsoft.com/office/drawing/2010/main">
+        <mc:Choice Requires="a14">
           <p:sp>
             <p:nvSpPr>
               <p:cNvPr id="16" name="ZoneTexte 15">
@@ -7359,7 +7443,7 @@
             </p:txBody>
           </p:sp>
         </mc:Choice>
-        <mc:Fallback>
+        <mc:Fallback xmlns="">
           <p:sp>
             <p:nvSpPr>
               <p:cNvPr id="16" name="ZoneTexte 15">
@@ -7505,7 +7589,7 @@
                 <a16:creationId xmlns:a16="http://schemas.microsoft.com/office/drawing/2014/main" id="{526E0BFB-CDF1-4990-8C11-AC849311E0A8}"/>
               </a:ext>
               <a:ext uri="{C183D7F6-B498-43B3-948B-1728B52AA6E4}">
-                <adec:decorative xmlns:adec="http://schemas.microsoft.com/office/drawing/2017/decorative" xmlns="" val="1"/>
+                <adec:decorative xmlns:adec="http://schemas.microsoft.com/office/drawing/2017/decorative" val="1"/>
               </a:ext>
             </a:extLst>
           </p:cNvPr>
@@ -7594,7 +7678,7 @@
                 <a16:creationId xmlns:a16="http://schemas.microsoft.com/office/drawing/2014/main" id="{6069A1F8-9BEB-4786-9694-FC48B2D75D21}"/>
               </a:ext>
               <a:ext uri="{C183D7F6-B498-43B3-948B-1728B52AA6E4}">
-                <adec:decorative xmlns:adec="http://schemas.microsoft.com/office/drawing/2017/decorative" xmlns="" val="1"/>
+                <adec:decorative xmlns:adec="http://schemas.microsoft.com/office/drawing/2017/decorative" val="1"/>
               </a:ext>
             </a:extLst>
           </p:cNvPr>
@@ -7702,10 +7786,6 @@
             <a:br>
               <a:rPr lang="fr-FR" sz="4800" dirty="0"/>
             </a:br>
-            <a:r>
-              <a:rPr lang="fr-FR" sz="4800" dirty="0"/>
-              <a:t/>
-            </a:r>
             <a:br>
               <a:rPr lang="fr-FR" sz="4800" dirty="0"/>
             </a:br>
@@ -7759,7 +7839,7 @@
                 <a16:creationId xmlns:a16="http://schemas.microsoft.com/office/drawing/2014/main" id="{AF2F604E-43BE-4DC3-B983-E071523364F8}"/>
               </a:ext>
               <a:ext uri="{C183D7F6-B498-43B3-948B-1728B52AA6E4}">
-                <adec:decorative xmlns:adec="http://schemas.microsoft.com/office/drawing/2017/decorative" xmlns="" val="1"/>
+                <adec:decorative xmlns:adec="http://schemas.microsoft.com/office/drawing/2017/decorative" val="1"/>
               </a:ext>
             </a:extLst>
           </p:cNvPr>
@@ -7851,7 +7931,7 @@
                 <a16:creationId xmlns:a16="http://schemas.microsoft.com/office/drawing/2014/main" id="{08C9B587-E65E-4B52-B37C-ABEBB6E87928}"/>
               </a:ext>
               <a:ext uri="{C183D7F6-B498-43B3-948B-1728B52AA6E4}">
-                <adec:decorative xmlns:adec="http://schemas.microsoft.com/office/drawing/2017/decorative" xmlns="" val="1"/>
+                <adec:decorative xmlns:adec="http://schemas.microsoft.com/office/drawing/2017/decorative" val="1"/>
               </a:ext>
             </a:extLst>
           </p:cNvPr>
@@ -8103,6 +8183,300 @@
         </p:nvSpPr>
         <p:spPr/>
         <p:txBody>
+          <a:bodyPr/>
+          <a:lstStyle/>
+          <a:p>
+            <a:r>
+              <a:rPr lang="fr-FR" dirty="0"/>
+              <a:t>Installation d’un package</a:t>
+            </a:r>
+          </a:p>
+        </p:txBody>
+      </p:sp>
+      <p:sp>
+        <p:nvSpPr>
+          <p:cNvPr id="3" name="Espace réservé du contenu 2">
+            <a:extLst>
+              <a:ext uri="{FF2B5EF4-FFF2-40B4-BE49-F238E27FC236}">
+                <a16:creationId xmlns:a16="http://schemas.microsoft.com/office/drawing/2014/main" id="{E0BBB9DE-019C-C741-F224-494739D4B752}"/>
+              </a:ext>
+            </a:extLst>
+          </p:cNvPr>
+          <p:cNvSpPr>
+            <a:spLocks noGrp="1"/>
+          </p:cNvSpPr>
+          <p:nvPr>
+            <p:ph sz="half" idx="1"/>
+          </p:nvPr>
+        </p:nvSpPr>
+        <p:spPr>
+          <a:xfrm>
+            <a:off x="1115568" y="2478024"/>
+            <a:ext cx="10241082" cy="3694176"/>
+          </a:xfrm>
+        </p:spPr>
+        <p:txBody>
+          <a:bodyPr/>
+          <a:lstStyle/>
+          <a:p>
+            <a:r>
+              <a:rPr lang="fr-FR" dirty="0"/>
+              <a:t>Installation de bibliothèques / packages</a:t>
+            </a:r>
+          </a:p>
+        </p:txBody>
+      </p:sp>
+      <p:pic>
+        <p:nvPicPr>
+          <p:cNvPr id="5" name="Image 4" descr="Une image contenant texte&#10;&#10;Description générée automatiquement">
+            <a:extLst>
+              <a:ext uri="{FF2B5EF4-FFF2-40B4-BE49-F238E27FC236}">
+                <a16:creationId xmlns:a16="http://schemas.microsoft.com/office/drawing/2014/main" id="{66D2630B-81F4-A4EB-21BA-8B90CF30BD92}"/>
+              </a:ext>
+            </a:extLst>
+          </p:cNvPr>
+          <p:cNvPicPr>
+            <a:picLocks noChangeAspect="1"/>
+          </p:cNvPicPr>
+          <p:nvPr/>
+        </p:nvPicPr>
+        <p:blipFill>
+          <a:blip r:embed="rId3">
+            <a:extLst>
+              <a:ext uri="{28A0092B-C50C-407E-A947-70E740481C1C}">
+                <a14:useLocalDpi xmlns:a14="http://schemas.microsoft.com/office/drawing/2010/main" val="0"/>
+              </a:ext>
+            </a:extLst>
+          </a:blip>
+          <a:stretch>
+            <a:fillRect/>
+          </a:stretch>
+        </p:blipFill>
+        <p:spPr>
+          <a:xfrm>
+            <a:off x="202922" y="5934456"/>
+            <a:ext cx="1825291" cy="749808"/>
+          </a:xfrm>
+          <a:prstGeom prst="rect">
+            <a:avLst/>
+          </a:prstGeom>
+        </p:spPr>
+      </p:pic>
+      <p:pic>
+        <p:nvPicPr>
+          <p:cNvPr id="7" name="Image 6">
+            <a:extLst>
+              <a:ext uri="{FF2B5EF4-FFF2-40B4-BE49-F238E27FC236}">
+                <a16:creationId xmlns:a16="http://schemas.microsoft.com/office/drawing/2014/main" id="{5BB01D49-602A-9314-FD1F-4EC628128217}"/>
+              </a:ext>
+            </a:extLst>
+          </p:cNvPr>
+          <p:cNvPicPr>
+            <a:picLocks noChangeAspect="1"/>
+          </p:cNvPicPr>
+          <p:nvPr/>
+        </p:nvPicPr>
+        <p:blipFill>
+          <a:blip r:embed="rId4"/>
+          <a:stretch>
+            <a:fillRect/>
+          </a:stretch>
+        </p:blipFill>
+        <p:spPr>
+          <a:xfrm>
+            <a:off x="10077926" y="593679"/>
+            <a:ext cx="1081825" cy="1089498"/>
+          </a:xfrm>
+          <a:prstGeom prst="rect">
+            <a:avLst/>
+          </a:prstGeom>
+        </p:spPr>
+      </p:pic>
+      <p:sp>
+        <p:nvSpPr>
+          <p:cNvPr id="13" name="ZoneTexte 12">
+            <a:extLst>
+              <a:ext uri="{FF2B5EF4-FFF2-40B4-BE49-F238E27FC236}">
+                <a16:creationId xmlns:a16="http://schemas.microsoft.com/office/drawing/2014/main" id="{C4BAF194-1DAB-D8B5-3DF2-147C9B78F1A3}"/>
+              </a:ext>
+            </a:extLst>
+          </p:cNvPr>
+          <p:cNvSpPr txBox="1"/>
+          <p:nvPr/>
+        </p:nvSpPr>
+        <p:spPr>
+          <a:xfrm>
+            <a:off x="824860" y="3090446"/>
+            <a:ext cx="4765173" cy="923330"/>
+          </a:xfrm>
+          <a:prstGeom prst="rect">
+            <a:avLst/>
+          </a:prstGeom>
+          <a:solidFill>
+            <a:schemeClr val="accent1">
+              <a:lumMod val="60000"/>
+              <a:lumOff val="40000"/>
+            </a:schemeClr>
+          </a:solidFill>
+        </p:spPr>
+        <p:txBody>
+          <a:bodyPr wrap="square" rtlCol="0">
+            <a:spAutoFit/>
+          </a:bodyPr>
+          <a:lstStyle/>
+          <a:p>
+            <a:r>
+              <a:rPr lang="fr-FR" b="1" dirty="0"/>
+              <a:t>Dans un </a:t>
+            </a:r>
+            <a:r>
+              <a:rPr lang="fr-FR" b="1" dirty="0" err="1"/>
+              <a:t>shell</a:t>
+            </a:r>
+            <a:r>
+              <a:rPr lang="fr-FR" b="1" dirty="0"/>
+              <a:t>/prompt</a:t>
+            </a:r>
+          </a:p>
+          <a:p>
+            <a:endParaRPr lang="fr-FR" b="1" dirty="0">
+              <a:solidFill>
+                <a:schemeClr val="bg1"/>
+              </a:solidFill>
+            </a:endParaRPr>
+          </a:p>
+          <a:p>
+            <a:r>
+              <a:rPr lang="fr-FR" b="1" dirty="0">
+                <a:solidFill>
+                  <a:schemeClr val="bg1"/>
+                </a:solidFill>
+              </a:rPr>
+              <a:t>&gt; </a:t>
+            </a:r>
+            <a:r>
+              <a:rPr lang="fr-FR" b="1" dirty="0" err="1"/>
+              <a:t>pip</a:t>
+            </a:r>
+            <a:r>
+              <a:rPr lang="fr-FR" b="1" dirty="0">
+                <a:solidFill>
+                  <a:schemeClr val="bg1"/>
+                </a:solidFill>
+              </a:rPr>
+              <a:t> </a:t>
+            </a:r>
+            <a:r>
+              <a:rPr lang="fr-FR" b="1" dirty="0" err="1">
+                <a:solidFill>
+                  <a:schemeClr val="tx1">
+                    <a:lumMod val="75000"/>
+                    <a:lumOff val="25000"/>
+                  </a:schemeClr>
+                </a:solidFill>
+              </a:rPr>
+              <a:t>install</a:t>
+            </a:r>
+            <a:r>
+              <a:rPr lang="fr-FR" b="1" dirty="0">
+                <a:solidFill>
+                  <a:schemeClr val="tx1">
+                    <a:lumMod val="75000"/>
+                    <a:lumOff val="25000"/>
+                  </a:schemeClr>
+                </a:solidFill>
+              </a:rPr>
+              <a:t> </a:t>
+            </a:r>
+            <a:r>
+              <a:rPr lang="fr-FR" b="1" dirty="0">
+                <a:solidFill>
+                  <a:schemeClr val="bg1"/>
+                </a:solidFill>
+              </a:rPr>
+              <a:t>control</a:t>
+            </a:r>
+            <a:endParaRPr lang="fr-FR" b="1" dirty="0"/>
+          </a:p>
+        </p:txBody>
+      </p:sp>
+      <p:sp>
+        <p:nvSpPr>
+          <p:cNvPr id="4" name="Espace réservé du numéro de diapositive 3">
+            <a:extLst>
+              <a:ext uri="{FF2B5EF4-FFF2-40B4-BE49-F238E27FC236}">
+                <a16:creationId xmlns:a16="http://schemas.microsoft.com/office/drawing/2014/main" id="{B7C60569-E347-D5FA-457F-6F630CD86C7B}"/>
+              </a:ext>
+            </a:extLst>
+          </p:cNvPr>
+          <p:cNvSpPr>
+            <a:spLocks noGrp="1"/>
+          </p:cNvSpPr>
+          <p:nvPr>
+            <p:ph type="sldNum" sz="quarter" idx="12"/>
+          </p:nvPr>
+        </p:nvSpPr>
+        <p:spPr/>
+        <p:txBody>
+          <a:bodyPr/>
+          <a:lstStyle/>
+          <a:p>
+            <a:fld id="{B2DC25EE-239B-4C5F-AAD1-255A7D5F1EE2}" type="slidenum">
+              <a:rPr lang="en-US" smtClean="0"/>
+              <a:t>12</a:t>
+            </a:fld>
+            <a:endParaRPr lang="en-US"/>
+          </a:p>
+        </p:txBody>
+      </p:sp>
+    </p:spTree>
+    <p:extLst>
+      <p:ext uri="{BB962C8B-B14F-4D97-AF65-F5344CB8AC3E}">
+        <p14:creationId xmlns:p14="http://schemas.microsoft.com/office/powerpoint/2010/main" val="3925042002"/>
+      </p:ext>
+    </p:extLst>
+  </p:cSld>
+  <p:clrMapOvr>
+    <a:masterClrMapping/>
+  </p:clrMapOvr>
+</p:sld>
+</file>
+
+<file path=ppt/slides/slide13.xml><?xml version="1.0" encoding="utf-8"?>
+<p:sld xmlns:a="http://schemas.openxmlformats.org/drawingml/2006/main" xmlns:r="http://schemas.openxmlformats.org/officeDocument/2006/relationships" xmlns:p="http://schemas.openxmlformats.org/presentationml/2006/main">
+  <p:cSld>
+    <p:spTree>
+      <p:nvGrpSpPr>
+        <p:cNvPr id="1" name=""/>
+        <p:cNvGrpSpPr/>
+        <p:nvPr/>
+      </p:nvGrpSpPr>
+      <p:grpSpPr>
+        <a:xfrm>
+          <a:off x="0" y="0"/>
+          <a:ext cx="0" cy="0"/>
+          <a:chOff x="0" y="0"/>
+          <a:chExt cx="0" cy="0"/>
+        </a:xfrm>
+      </p:grpSpPr>
+      <p:sp>
+        <p:nvSpPr>
+          <p:cNvPr id="2" name="Titre 1">
+            <a:extLst>
+              <a:ext uri="{FF2B5EF4-FFF2-40B4-BE49-F238E27FC236}">
+                <a16:creationId xmlns:a16="http://schemas.microsoft.com/office/drawing/2014/main" id="{90162AE8-C1B0-5C56-8313-DEE494F38273}"/>
+              </a:ext>
+            </a:extLst>
+          </p:cNvPr>
+          <p:cNvSpPr>
+            <a:spLocks noGrp="1"/>
+          </p:cNvSpPr>
+          <p:nvPr>
+            <p:ph type="title"/>
+          </p:nvPr>
+        </p:nvSpPr>
+        <p:spPr/>
+        <p:txBody>
           <a:bodyPr>
             <a:normAutofit/>
           </a:bodyPr>
@@ -8202,7 +8576,7 @@
           <a:p>
             <a:fld id="{B2DC25EE-239B-4C5F-AAD1-255A7D5F1EE2}" type="slidenum">
               <a:rPr lang="en-US" smtClean="0"/>
-              <a:t>12</a:t>
+              <a:t>13</a:t>
             </a:fld>
             <a:endParaRPr lang="en-US"/>
           </a:p>
@@ -8651,8 +9025,8 @@
           </a:p>
         </p:txBody>
       </p:sp>
-      <mc:AlternateContent xmlns:mc="http://schemas.openxmlformats.org/markup-compatibility/2006">
-        <mc:Choice xmlns:a14="http://schemas.microsoft.com/office/drawing/2010/main" Requires="a14">
+      <mc:AlternateContent xmlns:mc="http://schemas.openxmlformats.org/markup-compatibility/2006" xmlns:a14="http://schemas.microsoft.com/office/drawing/2010/main">
+        <mc:Choice Requires="a14">
           <p:sp>
             <p:nvSpPr>
               <p:cNvPr id="16" name="ZoneTexte 15">
@@ -9013,7 +9387,7 @@
             </p:txBody>
           </p:sp>
         </mc:Choice>
-        <mc:Fallback>
+        <mc:Fallback xmlns="">
           <p:sp>
             <p:nvSpPr>
               <p:cNvPr id="16" name="ZoneTexte 15">
@@ -9252,7 +9626,7 @@
 </p:sld>
 </file>
 
-<file path=ppt/slides/slide13.xml><?xml version="1.0" encoding="utf-8"?>
+<file path=ppt/slides/slide14.xml><?xml version="1.0" encoding="utf-8"?>
 <p:sld xmlns:a="http://schemas.openxmlformats.org/drawingml/2006/main" xmlns:r="http://schemas.openxmlformats.org/officeDocument/2006/relationships" xmlns:p="http://schemas.openxmlformats.org/presentationml/2006/main">
   <p:cSld>
     <p:spTree>
@@ -9391,7 +9765,7 @@
           <a:p>
             <a:fld id="{B2DC25EE-239B-4C5F-AAD1-255A7D5F1EE2}" type="slidenum">
               <a:rPr lang="en-US" smtClean="0"/>
-              <a:t>13</a:t>
+              <a:t>14</a:t>
             </a:fld>
             <a:endParaRPr lang="en-US"/>
           </a:p>
@@ -9638,8 +10012,8 @@
           </a:p>
         </p:txBody>
       </p:sp>
-      <mc:AlternateContent xmlns:mc="http://schemas.openxmlformats.org/markup-compatibility/2006">
-        <mc:Choice xmlns:a14="http://schemas.microsoft.com/office/drawing/2010/main" Requires="a14">
+      <mc:AlternateContent xmlns:mc="http://schemas.openxmlformats.org/markup-compatibility/2006" xmlns:a14="http://schemas.microsoft.com/office/drawing/2010/main">
+        <mc:Choice Requires="a14">
           <p:sp>
             <p:nvSpPr>
               <p:cNvPr id="16" name="ZoneTexte 15">
@@ -10000,7 +10374,7 @@
             </p:txBody>
           </p:sp>
         </mc:Choice>
-        <mc:Fallback>
+        <mc:Fallback xmlns="">
           <p:sp>
             <p:nvSpPr>
               <p:cNvPr id="16" name="ZoneTexte 15">
@@ -11311,7 +11685,7 @@
 </p:sld>
 </file>
 
-<file path=ppt/slides/slide14.xml><?xml version="1.0" encoding="utf-8"?>
+<file path=ppt/slides/slide15.xml><?xml version="1.0" encoding="utf-8"?>
 <p:sld xmlns:a="http://schemas.openxmlformats.org/drawingml/2006/main" xmlns:r="http://schemas.openxmlformats.org/officeDocument/2006/relationships" xmlns:p="http://schemas.openxmlformats.org/presentationml/2006/main">
   <p:cSld>
     <p:spTree>
@@ -11450,7 +11824,7 @@
           <a:p>
             <a:fld id="{B2DC25EE-239B-4C5F-AAD1-255A7D5F1EE2}" type="slidenum">
               <a:rPr lang="en-US" smtClean="0"/>
-              <a:t>14</a:t>
+              <a:t>15</a:t>
             </a:fld>
             <a:endParaRPr lang="en-US"/>
           </a:p>
@@ -11561,7 +11935,7 @@
 </p:sld>
 </file>
 
-<file path=ppt/slides/slide15.xml><?xml version="1.0" encoding="utf-8"?>
+<file path=ppt/slides/slide16.xml><?xml version="1.0" encoding="utf-8"?>
 <p:sld xmlns:a="http://schemas.openxmlformats.org/drawingml/2006/main" xmlns:r="http://schemas.openxmlformats.org/officeDocument/2006/relationships" xmlns:p="http://schemas.openxmlformats.org/presentationml/2006/main">
   <p:cSld>
     <p:spTree>
@@ -11659,7 +12033,7 @@
           <a:p>
             <a:fld id="{B2DC25EE-239B-4C5F-AAD1-255A7D5F1EE2}" type="slidenum">
               <a:rPr lang="en-US" smtClean="0"/>
-              <a:t>15</a:t>
+              <a:t>16</a:t>
             </a:fld>
             <a:endParaRPr lang="en-US" dirty="0"/>
           </a:p>
@@ -11722,7 +12096,7 @@
                 <a14:useLocalDpi xmlns:a14="http://schemas.microsoft.com/office/drawing/2010/main" val="0"/>
               </a:ext>
               <a:ext uri="{96DAC541-7B7A-43D3-8B79-37D633B846F1}">
-                <asvg:svgBlip xmlns:asvg="http://schemas.microsoft.com/office/drawing/2016/SVG/main" xmlns="" r:embed="rId4"/>
+                <asvg:svgBlip xmlns:asvg="http://schemas.microsoft.com/office/drawing/2016/SVG/main" r:embed="rId4"/>
               </a:ext>
             </a:extLst>
           </a:blip>
@@ -11912,8 +12286,8 @@
           </a:p>
         </p:txBody>
       </p:sp>
-      <mc:AlternateContent xmlns:mc="http://schemas.openxmlformats.org/markup-compatibility/2006">
-        <mc:Choice xmlns:a14="http://schemas.microsoft.com/office/drawing/2010/main" Requires="a14">
+      <mc:AlternateContent xmlns:mc="http://schemas.openxmlformats.org/markup-compatibility/2006" xmlns:a14="http://schemas.microsoft.com/office/drawing/2010/main">
+        <mc:Choice Requires="a14">
           <p:sp>
             <p:nvSpPr>
               <p:cNvPr id="12" name="ZoneTexte 11">
@@ -12274,7 +12648,7 @@
             </p:txBody>
           </p:sp>
         </mc:Choice>
-        <mc:Fallback>
+        <mc:Fallback xmlns="">
           <p:sp>
             <p:nvSpPr>
               <p:cNvPr id="12" name="ZoneTexte 11">
@@ -12456,7 +12830,7 @@
 </p:sld>
 </file>
 
-<file path=ppt/slides/slide16.xml><?xml version="1.0" encoding="utf-8"?>
+<file path=ppt/slides/slide17.xml><?xml version="1.0" encoding="utf-8"?>
 <p:sld xmlns:a="http://schemas.openxmlformats.org/drawingml/2006/main" xmlns:r="http://schemas.openxmlformats.org/officeDocument/2006/relationships" xmlns:p="http://schemas.openxmlformats.org/presentationml/2006/main">
   <p:cSld>
     <p:spTree>
@@ -12558,7 +12932,7 @@
           <a:p>
             <a:fld id="{B2DC25EE-239B-4C5F-AAD1-255A7D5F1EE2}" type="slidenum">
               <a:rPr lang="en-US" smtClean="0"/>
-              <a:t>16</a:t>
+              <a:t>17</a:t>
             </a:fld>
             <a:endParaRPr lang="en-US" dirty="0"/>
           </a:p>
@@ -12600,8 +12974,8 @@
           </a:prstGeom>
         </p:spPr>
       </p:pic>
-      <mc:AlternateContent xmlns:mc="http://schemas.openxmlformats.org/markup-compatibility/2006">
-        <mc:Choice xmlns:a14="http://schemas.microsoft.com/office/drawing/2010/main" Requires="a14">
+      <mc:AlternateContent xmlns:mc="http://schemas.openxmlformats.org/markup-compatibility/2006" xmlns:a14="http://schemas.microsoft.com/office/drawing/2010/main">
+        <mc:Choice Requires="a14">
           <p:sp>
             <p:nvSpPr>
               <p:cNvPr id="12" name="ZoneTexte 11">
@@ -12962,7 +13336,7 @@
             </p:txBody>
           </p:sp>
         </mc:Choice>
-        <mc:Fallback>
+        <mc:Fallback xmlns="">
           <p:sp>
             <p:nvSpPr>
               <p:cNvPr id="12" name="ZoneTexte 11">
@@ -13337,7 +13711,7 @@
 </p:sld>
 </file>
 
-<file path=ppt/slides/slide17.xml><?xml version="1.0" encoding="utf-8"?>
+<file path=ppt/slides/slide18.xml><?xml version="1.0" encoding="utf-8"?>
 <p:sld xmlns:a="http://schemas.openxmlformats.org/drawingml/2006/main" xmlns:r="http://schemas.openxmlformats.org/officeDocument/2006/relationships" xmlns:p="http://schemas.openxmlformats.org/presentationml/2006/main">
   <p:cSld>
     <p:spTree>
@@ -13435,7 +13809,7 @@
           <a:p>
             <a:fld id="{B2DC25EE-239B-4C5F-AAD1-255A7D5F1EE2}" type="slidenum">
               <a:rPr lang="en-US" smtClean="0"/>
-              <a:t>17</a:t>
+              <a:t>18</a:t>
             </a:fld>
             <a:endParaRPr lang="en-US" dirty="0"/>
           </a:p>
@@ -13498,7 +13872,7 @@
                 <a14:useLocalDpi xmlns:a14="http://schemas.microsoft.com/office/drawing/2010/main" val="0"/>
               </a:ext>
               <a:ext uri="{96DAC541-7B7A-43D3-8B79-37D633B846F1}">
-                <asvg:svgBlip xmlns:asvg="http://schemas.microsoft.com/office/drawing/2016/SVG/main" xmlns="" r:embed="rId4"/>
+                <asvg:svgBlip xmlns:asvg="http://schemas.microsoft.com/office/drawing/2016/SVG/main" r:embed="rId4"/>
               </a:ext>
             </a:extLst>
           </a:blip>
@@ -13688,8 +14062,8 @@
           </a:p>
         </p:txBody>
       </p:sp>
-      <mc:AlternateContent xmlns:mc="http://schemas.openxmlformats.org/markup-compatibility/2006">
-        <mc:Choice xmlns:a14="http://schemas.microsoft.com/office/drawing/2010/main" Requires="a14">
+      <mc:AlternateContent xmlns:mc="http://schemas.openxmlformats.org/markup-compatibility/2006" xmlns:a14="http://schemas.microsoft.com/office/drawing/2010/main">
+        <mc:Choice Requires="a14">
           <p:sp>
             <p:nvSpPr>
               <p:cNvPr id="12" name="ZoneTexte 11">
@@ -14050,7 +14424,7 @@
             </p:txBody>
           </p:sp>
         </mc:Choice>
-        <mc:Fallback>
+        <mc:Fallback xmlns="">
           <p:sp>
             <p:nvSpPr>
               <p:cNvPr id="12" name="ZoneTexte 11">
@@ -14240,7 +14614,7 @@
 </p:sld>
 </file>
 
-<file path=ppt/slides/slide18.xml><?xml version="1.0" encoding="utf-8"?>
+<file path=ppt/slides/slide19.xml><?xml version="1.0" encoding="utf-8"?>
 <p:sld xmlns:a="http://schemas.openxmlformats.org/drawingml/2006/main" xmlns:r="http://schemas.openxmlformats.org/officeDocument/2006/relationships" xmlns:p="http://schemas.openxmlformats.org/presentationml/2006/main">
   <p:cSld>
     <p:spTree>
@@ -14338,7 +14712,7 @@
           <a:p>
             <a:fld id="{B2DC25EE-239B-4C5F-AAD1-255A7D5F1EE2}" type="slidenum">
               <a:rPr lang="en-US" smtClean="0"/>
-              <a:t>18</a:t>
+              <a:t>19</a:t>
             </a:fld>
             <a:endParaRPr lang="en-US" dirty="0"/>
           </a:p>
@@ -14700,268 +15074,6 @@
     <p:extLst>
       <p:ext uri="{BB962C8B-B14F-4D97-AF65-F5344CB8AC3E}">
         <p14:creationId xmlns:p14="http://schemas.microsoft.com/office/powerpoint/2010/main" val="2231221562"/>
-      </p:ext>
-    </p:extLst>
-  </p:cSld>
-  <p:clrMapOvr>
-    <a:masterClrMapping/>
-  </p:clrMapOvr>
-</p:sld>
-</file>
-
-<file path=ppt/slides/slide19.xml><?xml version="1.0" encoding="utf-8"?>
-<p:sld xmlns:a="http://schemas.openxmlformats.org/drawingml/2006/main" xmlns:r="http://schemas.openxmlformats.org/officeDocument/2006/relationships" xmlns:p="http://schemas.openxmlformats.org/presentationml/2006/main">
-  <p:cSld>
-    <p:spTree>
-      <p:nvGrpSpPr>
-        <p:cNvPr id="1" name=""/>
-        <p:cNvGrpSpPr/>
-        <p:nvPr/>
-      </p:nvGrpSpPr>
-      <p:grpSpPr>
-        <a:xfrm>
-          <a:off x="0" y="0"/>
-          <a:ext cx="0" cy="0"/>
-          <a:chOff x="0" y="0"/>
-          <a:chExt cx="0" cy="0"/>
-        </a:xfrm>
-      </p:grpSpPr>
-      <p:sp>
-        <p:nvSpPr>
-          <p:cNvPr id="2" name="Titre 1">
-            <a:extLst>
-              <a:ext uri="{FF2B5EF4-FFF2-40B4-BE49-F238E27FC236}">
-                <a16:creationId xmlns:a16="http://schemas.microsoft.com/office/drawing/2014/main" id="{90162AE8-C1B0-5C56-8313-DEE494F38273}"/>
-              </a:ext>
-            </a:extLst>
-          </p:cNvPr>
-          <p:cNvSpPr>
-            <a:spLocks noGrp="1"/>
-          </p:cNvSpPr>
-          <p:nvPr>
-            <p:ph type="title"/>
-          </p:nvPr>
-        </p:nvSpPr>
-        <p:spPr/>
-        <p:txBody>
-          <a:bodyPr>
-            <a:normAutofit/>
-          </a:bodyPr>
-          <a:lstStyle/>
-          <a:p>
-            <a:r>
-              <a:rPr lang="fr-FR" i="1" dirty="0"/>
-              <a:t>control</a:t>
-            </a:r>
-            <a:r>
-              <a:rPr lang="fr-FR" dirty="0"/>
-              <a:t> pour l’étude des systèmes</a:t>
-            </a:r>
-          </a:p>
-        </p:txBody>
-      </p:sp>
-      <p:sp>
-        <p:nvSpPr>
-          <p:cNvPr id="3" name="Espace réservé du contenu 2">
-            <a:extLst>
-              <a:ext uri="{FF2B5EF4-FFF2-40B4-BE49-F238E27FC236}">
-                <a16:creationId xmlns:a16="http://schemas.microsoft.com/office/drawing/2014/main" id="{E0BBB9DE-019C-C741-F224-494739D4B752}"/>
-              </a:ext>
-            </a:extLst>
-          </p:cNvPr>
-          <p:cNvSpPr>
-            <a:spLocks noGrp="1"/>
-          </p:cNvSpPr>
-          <p:nvPr>
-            <p:ph sz="half" idx="1"/>
-          </p:nvPr>
-        </p:nvSpPr>
-        <p:spPr/>
-        <p:txBody>
-          <a:bodyPr/>
-          <a:lstStyle/>
-          <a:p>
-            <a:r>
-              <a:rPr lang="fr-FR" dirty="0"/>
-              <a:t>Réponse indicielle</a:t>
-            </a:r>
-            <a:endParaRPr lang="fr-FR" i="1" dirty="0"/>
-          </a:p>
-        </p:txBody>
-      </p:sp>
-      <p:pic>
-        <p:nvPicPr>
-          <p:cNvPr id="5" name="Image 4" descr="Une image contenant texte&#10;&#10;Description générée automatiquement">
-            <a:extLst>
-              <a:ext uri="{FF2B5EF4-FFF2-40B4-BE49-F238E27FC236}">
-                <a16:creationId xmlns:a16="http://schemas.microsoft.com/office/drawing/2014/main" id="{66D2630B-81F4-A4EB-21BA-8B90CF30BD92}"/>
-              </a:ext>
-            </a:extLst>
-          </p:cNvPr>
-          <p:cNvPicPr>
-            <a:picLocks noChangeAspect="1"/>
-          </p:cNvPicPr>
-          <p:nvPr/>
-        </p:nvPicPr>
-        <p:blipFill>
-          <a:blip r:embed="rId2">
-            <a:extLst>
-              <a:ext uri="{28A0092B-C50C-407E-A947-70E740481C1C}">
-                <a14:useLocalDpi xmlns:a14="http://schemas.microsoft.com/office/drawing/2010/main" val="0"/>
-              </a:ext>
-            </a:extLst>
-          </a:blip>
-          <a:stretch>
-            <a:fillRect/>
-          </a:stretch>
-        </p:blipFill>
-        <p:spPr>
-          <a:xfrm>
-            <a:off x="202922" y="5934456"/>
-            <a:ext cx="1825291" cy="749808"/>
-          </a:xfrm>
-          <a:prstGeom prst="rect">
-            <a:avLst/>
-          </a:prstGeom>
-        </p:spPr>
-      </p:pic>
-      <p:sp>
-        <p:nvSpPr>
-          <p:cNvPr id="4" name="Espace réservé du numéro de diapositive 3">
-            <a:extLst>
-              <a:ext uri="{FF2B5EF4-FFF2-40B4-BE49-F238E27FC236}">
-                <a16:creationId xmlns:a16="http://schemas.microsoft.com/office/drawing/2014/main" id="{F08CDEFC-50F0-4C47-46AC-D28A2807E4F8}"/>
-              </a:ext>
-            </a:extLst>
-          </p:cNvPr>
-          <p:cNvSpPr>
-            <a:spLocks noGrp="1"/>
-          </p:cNvSpPr>
-          <p:nvPr>
-            <p:ph type="sldNum" sz="quarter" idx="12"/>
-          </p:nvPr>
-        </p:nvSpPr>
-        <p:spPr/>
-        <p:txBody>
-          <a:bodyPr/>
-          <a:lstStyle/>
-          <a:p>
-            <a:fld id="{B2DC25EE-239B-4C5F-AAD1-255A7D5F1EE2}" type="slidenum">
-              <a:rPr lang="en-US" smtClean="0"/>
-              <a:t>19</a:t>
-            </a:fld>
-            <a:endParaRPr lang="en-US"/>
-          </a:p>
-        </p:txBody>
-      </p:sp>
-      <p:sp>
-        <p:nvSpPr>
-          <p:cNvPr id="14" name="ZoneTexte 13">
-            <a:extLst>
-              <a:ext uri="{FF2B5EF4-FFF2-40B4-BE49-F238E27FC236}">
-                <a16:creationId xmlns:a16="http://schemas.microsoft.com/office/drawing/2014/main" id="{A17CB689-F348-08C7-43D6-8D22227AD2CE}"/>
-              </a:ext>
-            </a:extLst>
-          </p:cNvPr>
-          <p:cNvSpPr txBox="1"/>
-          <p:nvPr/>
-        </p:nvSpPr>
-        <p:spPr>
-          <a:xfrm>
-            <a:off x="822960" y="3302376"/>
-            <a:ext cx="4765173" cy="369332"/>
-          </a:xfrm>
-          <a:prstGeom prst="rect">
-            <a:avLst/>
-          </a:prstGeom>
-          <a:solidFill>
-            <a:schemeClr val="accent1">
-              <a:lumMod val="40000"/>
-              <a:lumOff val="60000"/>
-            </a:schemeClr>
-          </a:solidFill>
-        </p:spPr>
-        <p:txBody>
-          <a:bodyPr wrap="square" rtlCol="0">
-            <a:spAutoFit/>
-          </a:bodyPr>
-          <a:lstStyle/>
-          <a:p>
-            <a:r>
-              <a:rPr lang="fr-FR" dirty="0"/>
-              <a:t>t, y </a:t>
-            </a:r>
-            <a:r>
-              <a:rPr lang="fr-FR" b="1" dirty="0"/>
-              <a:t>=</a:t>
-            </a:r>
-            <a:r>
-              <a:rPr lang="fr-FR" dirty="0"/>
-              <a:t> </a:t>
-            </a:r>
-            <a:r>
-              <a:rPr lang="fr-FR" dirty="0" err="1"/>
-              <a:t>ct</a:t>
-            </a:r>
-            <a:r>
-              <a:rPr lang="fr-FR" b="1" dirty="0" err="1"/>
-              <a:t>.step_response</a:t>
-            </a:r>
-            <a:r>
-              <a:rPr lang="fr-FR" dirty="0"/>
-              <a:t>(</a:t>
-            </a:r>
-            <a:r>
-              <a:rPr lang="fr-FR" dirty="0" err="1"/>
-              <a:t>tf_sys</a:t>
-            </a:r>
-            <a:r>
-              <a:rPr lang="fr-FR" dirty="0"/>
-              <a:t>)</a:t>
-            </a:r>
-          </a:p>
-        </p:txBody>
-      </p:sp>
-      <p:pic>
-        <p:nvPicPr>
-          <p:cNvPr id="8" name="Image 7" descr="Une image contenant graphique&#10;&#10;Description générée automatiquement">
-            <a:extLst>
-              <a:ext uri="{FF2B5EF4-FFF2-40B4-BE49-F238E27FC236}">
-                <a16:creationId xmlns:a16="http://schemas.microsoft.com/office/drawing/2014/main" id="{3839F644-C2D6-82DF-6611-74F8CE59D126}"/>
-              </a:ext>
-            </a:extLst>
-          </p:cNvPr>
-          <p:cNvPicPr>
-            <a:picLocks noChangeAspect="1"/>
-          </p:cNvPicPr>
-          <p:nvPr/>
-        </p:nvPicPr>
-        <p:blipFill>
-          <a:blip r:embed="rId3">
-            <a:extLst>
-              <a:ext uri="{28A0092B-C50C-407E-A947-70E740481C1C}">
-                <a14:useLocalDpi xmlns:a14="http://schemas.microsoft.com/office/drawing/2010/main" val="0"/>
-              </a:ext>
-            </a:extLst>
-          </a:blip>
-          <a:stretch>
-            <a:fillRect/>
-          </a:stretch>
-        </p:blipFill>
-        <p:spPr>
-          <a:xfrm>
-            <a:off x="6552932" y="2111554"/>
-            <a:ext cx="5204220" cy="3903165"/>
-          </a:xfrm>
-          <a:prstGeom prst="rect">
-            <a:avLst/>
-          </a:prstGeom>
-        </p:spPr>
-      </p:pic>
-    </p:spTree>
-    <p:extLst>
-      <p:ext uri="{BB962C8B-B14F-4D97-AF65-F5344CB8AC3E}">
-        <p14:creationId xmlns:p14="http://schemas.microsoft.com/office/powerpoint/2010/main" val="2711724686"/>
       </p:ext>
     </p:extLst>
   </p:cSld>
@@ -15297,7 +15409,7 @@
                 <a14:useLocalDpi xmlns:a14="http://schemas.microsoft.com/office/drawing/2010/main" val="0"/>
               </a:ext>
               <a:ext uri="{96DAC541-7B7A-43D3-8B79-37D633B846F1}">
-                <asvg:svgBlip xmlns:asvg="http://schemas.microsoft.com/office/drawing/2016/SVG/main" xmlns="" r:embed="rId4"/>
+                <asvg:svgBlip xmlns:asvg="http://schemas.microsoft.com/office/drawing/2016/SVG/main" r:embed="rId4"/>
               </a:ext>
             </a:extLst>
           </a:blip>
@@ -15868,8 +15980,12 @@
           <a:lstStyle/>
           <a:p>
             <a:r>
+              <a:rPr lang="fr-FR" i="1" dirty="0"/>
+              <a:t>control</a:t>
+            </a:r>
+            <a:r>
               <a:rPr lang="fr-FR" dirty="0"/>
-              <a:t>Réponse indicielle / Filtre RC</a:t>
+              <a:t> pour l’étude des systèmes</a:t>
             </a:r>
           </a:p>
         </p:txBody>
@@ -15897,11 +16013,48 @@
           <a:p>
             <a:r>
               <a:rPr lang="fr-FR" dirty="0"/>
-              <a:t>Comparaison</a:t>
-            </a:r>
+              <a:t>Réponse indicielle</a:t>
+            </a:r>
+            <a:endParaRPr lang="fr-FR" i="1" dirty="0"/>
           </a:p>
         </p:txBody>
       </p:sp>
+      <p:pic>
+        <p:nvPicPr>
+          <p:cNvPr id="5" name="Image 4" descr="Une image contenant texte&#10;&#10;Description générée automatiquement">
+            <a:extLst>
+              <a:ext uri="{FF2B5EF4-FFF2-40B4-BE49-F238E27FC236}">
+                <a16:creationId xmlns:a16="http://schemas.microsoft.com/office/drawing/2014/main" id="{66D2630B-81F4-A4EB-21BA-8B90CF30BD92}"/>
+              </a:ext>
+            </a:extLst>
+          </p:cNvPr>
+          <p:cNvPicPr>
+            <a:picLocks noChangeAspect="1"/>
+          </p:cNvPicPr>
+          <p:nvPr/>
+        </p:nvPicPr>
+        <p:blipFill>
+          <a:blip r:embed="rId2">
+            <a:extLst>
+              <a:ext uri="{28A0092B-C50C-407E-A947-70E740481C1C}">
+                <a14:useLocalDpi xmlns:a14="http://schemas.microsoft.com/office/drawing/2010/main" val="0"/>
+              </a:ext>
+            </a:extLst>
+          </a:blip>
+          <a:stretch>
+            <a:fillRect/>
+          </a:stretch>
+        </p:blipFill>
+        <p:spPr>
+          <a:xfrm>
+            <a:off x="202922" y="5934456"/>
+            <a:ext cx="1825291" cy="749808"/>
+          </a:xfrm>
+          <a:prstGeom prst="rect">
+            <a:avLst/>
+          </a:prstGeom>
+        </p:spPr>
+      </p:pic>
       <p:sp>
         <p:nvSpPr>
           <p:cNvPr id="4" name="Espace réservé du numéro de diapositive 3">
@@ -15926,6 +16079,227 @@
             <a:fld id="{B2DC25EE-239B-4C5F-AAD1-255A7D5F1EE2}" type="slidenum">
               <a:rPr lang="en-US" smtClean="0"/>
               <a:t>20</a:t>
+            </a:fld>
+            <a:endParaRPr lang="en-US"/>
+          </a:p>
+        </p:txBody>
+      </p:sp>
+      <p:sp>
+        <p:nvSpPr>
+          <p:cNvPr id="14" name="ZoneTexte 13">
+            <a:extLst>
+              <a:ext uri="{FF2B5EF4-FFF2-40B4-BE49-F238E27FC236}">
+                <a16:creationId xmlns:a16="http://schemas.microsoft.com/office/drawing/2014/main" id="{A17CB689-F348-08C7-43D6-8D22227AD2CE}"/>
+              </a:ext>
+            </a:extLst>
+          </p:cNvPr>
+          <p:cNvSpPr txBox="1"/>
+          <p:nvPr/>
+        </p:nvSpPr>
+        <p:spPr>
+          <a:xfrm>
+            <a:off x="822960" y="3302376"/>
+            <a:ext cx="4765173" cy="369332"/>
+          </a:xfrm>
+          <a:prstGeom prst="rect">
+            <a:avLst/>
+          </a:prstGeom>
+          <a:solidFill>
+            <a:schemeClr val="accent1">
+              <a:lumMod val="40000"/>
+              <a:lumOff val="60000"/>
+            </a:schemeClr>
+          </a:solidFill>
+        </p:spPr>
+        <p:txBody>
+          <a:bodyPr wrap="square" rtlCol="0">
+            <a:spAutoFit/>
+          </a:bodyPr>
+          <a:lstStyle/>
+          <a:p>
+            <a:r>
+              <a:rPr lang="fr-FR" dirty="0"/>
+              <a:t>t, y </a:t>
+            </a:r>
+            <a:r>
+              <a:rPr lang="fr-FR" b="1" dirty="0"/>
+              <a:t>=</a:t>
+            </a:r>
+            <a:r>
+              <a:rPr lang="fr-FR" dirty="0"/>
+              <a:t> </a:t>
+            </a:r>
+            <a:r>
+              <a:rPr lang="fr-FR" dirty="0" err="1"/>
+              <a:t>ct</a:t>
+            </a:r>
+            <a:r>
+              <a:rPr lang="fr-FR" b="1" dirty="0" err="1"/>
+              <a:t>.step_response</a:t>
+            </a:r>
+            <a:r>
+              <a:rPr lang="fr-FR" dirty="0"/>
+              <a:t>(</a:t>
+            </a:r>
+            <a:r>
+              <a:rPr lang="fr-FR" dirty="0" err="1"/>
+              <a:t>tf_sys</a:t>
+            </a:r>
+            <a:r>
+              <a:rPr lang="fr-FR" dirty="0"/>
+              <a:t>)</a:t>
+            </a:r>
+          </a:p>
+        </p:txBody>
+      </p:sp>
+      <p:pic>
+        <p:nvPicPr>
+          <p:cNvPr id="8" name="Image 7" descr="Une image contenant graphique&#10;&#10;Description générée automatiquement">
+            <a:extLst>
+              <a:ext uri="{FF2B5EF4-FFF2-40B4-BE49-F238E27FC236}">
+                <a16:creationId xmlns:a16="http://schemas.microsoft.com/office/drawing/2014/main" id="{3839F644-C2D6-82DF-6611-74F8CE59D126}"/>
+              </a:ext>
+            </a:extLst>
+          </p:cNvPr>
+          <p:cNvPicPr>
+            <a:picLocks noChangeAspect="1"/>
+          </p:cNvPicPr>
+          <p:nvPr/>
+        </p:nvPicPr>
+        <p:blipFill>
+          <a:blip r:embed="rId3">
+            <a:extLst>
+              <a:ext uri="{28A0092B-C50C-407E-A947-70E740481C1C}">
+                <a14:useLocalDpi xmlns:a14="http://schemas.microsoft.com/office/drawing/2010/main" val="0"/>
+              </a:ext>
+            </a:extLst>
+          </a:blip>
+          <a:stretch>
+            <a:fillRect/>
+          </a:stretch>
+        </p:blipFill>
+        <p:spPr>
+          <a:xfrm>
+            <a:off x="6552932" y="2111554"/>
+            <a:ext cx="5204220" cy="3903165"/>
+          </a:xfrm>
+          <a:prstGeom prst="rect">
+            <a:avLst/>
+          </a:prstGeom>
+        </p:spPr>
+      </p:pic>
+    </p:spTree>
+    <p:extLst>
+      <p:ext uri="{BB962C8B-B14F-4D97-AF65-F5344CB8AC3E}">
+        <p14:creationId xmlns:p14="http://schemas.microsoft.com/office/powerpoint/2010/main" val="2711724686"/>
+      </p:ext>
+    </p:extLst>
+  </p:cSld>
+  <p:clrMapOvr>
+    <a:masterClrMapping/>
+  </p:clrMapOvr>
+</p:sld>
+</file>
+
+<file path=ppt/slides/slide21.xml><?xml version="1.0" encoding="utf-8"?>
+<p:sld xmlns:a="http://schemas.openxmlformats.org/drawingml/2006/main" xmlns:r="http://schemas.openxmlformats.org/officeDocument/2006/relationships" xmlns:p="http://schemas.openxmlformats.org/presentationml/2006/main">
+  <p:cSld>
+    <p:spTree>
+      <p:nvGrpSpPr>
+        <p:cNvPr id="1" name=""/>
+        <p:cNvGrpSpPr/>
+        <p:nvPr/>
+      </p:nvGrpSpPr>
+      <p:grpSpPr>
+        <a:xfrm>
+          <a:off x="0" y="0"/>
+          <a:ext cx="0" cy="0"/>
+          <a:chOff x="0" y="0"/>
+          <a:chExt cx="0" cy="0"/>
+        </a:xfrm>
+      </p:grpSpPr>
+      <p:sp>
+        <p:nvSpPr>
+          <p:cNvPr id="2" name="Titre 1">
+            <a:extLst>
+              <a:ext uri="{FF2B5EF4-FFF2-40B4-BE49-F238E27FC236}">
+                <a16:creationId xmlns:a16="http://schemas.microsoft.com/office/drawing/2014/main" id="{90162AE8-C1B0-5C56-8313-DEE494F38273}"/>
+              </a:ext>
+            </a:extLst>
+          </p:cNvPr>
+          <p:cNvSpPr>
+            <a:spLocks noGrp="1"/>
+          </p:cNvSpPr>
+          <p:nvPr>
+            <p:ph type="title"/>
+          </p:nvPr>
+        </p:nvSpPr>
+        <p:spPr/>
+        <p:txBody>
+          <a:bodyPr>
+            <a:normAutofit/>
+          </a:bodyPr>
+          <a:lstStyle/>
+          <a:p>
+            <a:r>
+              <a:rPr lang="fr-FR" dirty="0"/>
+              <a:t>Réponse indicielle / Filtre RC</a:t>
+            </a:r>
+          </a:p>
+        </p:txBody>
+      </p:sp>
+      <p:sp>
+        <p:nvSpPr>
+          <p:cNvPr id="3" name="Espace réservé du contenu 2">
+            <a:extLst>
+              <a:ext uri="{FF2B5EF4-FFF2-40B4-BE49-F238E27FC236}">
+                <a16:creationId xmlns:a16="http://schemas.microsoft.com/office/drawing/2014/main" id="{E0BBB9DE-019C-C741-F224-494739D4B752}"/>
+              </a:ext>
+            </a:extLst>
+          </p:cNvPr>
+          <p:cNvSpPr>
+            <a:spLocks noGrp="1"/>
+          </p:cNvSpPr>
+          <p:nvPr>
+            <p:ph sz="half" idx="1"/>
+          </p:nvPr>
+        </p:nvSpPr>
+        <p:spPr/>
+        <p:txBody>
+          <a:bodyPr/>
+          <a:lstStyle/>
+          <a:p>
+            <a:r>
+              <a:rPr lang="fr-FR" dirty="0"/>
+              <a:t>Comparaison</a:t>
+            </a:r>
+          </a:p>
+        </p:txBody>
+      </p:sp>
+      <p:sp>
+        <p:nvSpPr>
+          <p:cNvPr id="4" name="Espace réservé du numéro de diapositive 3">
+            <a:extLst>
+              <a:ext uri="{FF2B5EF4-FFF2-40B4-BE49-F238E27FC236}">
+                <a16:creationId xmlns:a16="http://schemas.microsoft.com/office/drawing/2014/main" id="{F08CDEFC-50F0-4C47-46AC-D28A2807E4F8}"/>
+              </a:ext>
+            </a:extLst>
+          </p:cNvPr>
+          <p:cNvSpPr>
+            <a:spLocks noGrp="1"/>
+          </p:cNvSpPr>
+          <p:nvPr>
+            <p:ph type="sldNum" sz="quarter" idx="12"/>
+          </p:nvPr>
+        </p:nvSpPr>
+        <p:spPr/>
+        <p:txBody>
+          <a:bodyPr/>
+          <a:lstStyle/>
+          <a:p>
+            <a:fld id="{B2DC25EE-239B-4C5F-AAD1-255A7D5F1EE2}" type="slidenum">
+              <a:rPr lang="en-US" smtClean="0"/>
+              <a:t>21</a:t>
             </a:fld>
             <a:endParaRPr lang="en-US" dirty="0"/>
           </a:p>
@@ -15988,7 +16362,7 @@
                 <a14:useLocalDpi xmlns:a14="http://schemas.microsoft.com/office/drawing/2010/main" val="0"/>
               </a:ext>
               <a:ext uri="{96DAC541-7B7A-43D3-8B79-37D633B846F1}">
-                <asvg:svgBlip xmlns:asvg="http://schemas.microsoft.com/office/drawing/2016/SVG/main" xmlns="" r:embed="rId4"/>
+                <asvg:svgBlip xmlns:asvg="http://schemas.microsoft.com/office/drawing/2016/SVG/main" r:embed="rId4"/>
               </a:ext>
             </a:extLst>
           </a:blip>
@@ -16168,8 +16542,8 @@
           </a:p>
         </p:txBody>
       </p:sp>
-      <mc:AlternateContent xmlns:mc="http://schemas.openxmlformats.org/markup-compatibility/2006">
-        <mc:Choice xmlns:a14="http://schemas.microsoft.com/office/drawing/2010/main" Requires="a14">
+      <mc:AlternateContent xmlns:mc="http://schemas.openxmlformats.org/markup-compatibility/2006" xmlns:a14="http://schemas.microsoft.com/office/drawing/2010/main">
+        <mc:Choice Requires="a14">
           <p:sp>
             <p:nvSpPr>
               <p:cNvPr id="12" name="ZoneTexte 11">
@@ -16530,7 +16904,7 @@
             </p:txBody>
           </p:sp>
         </mc:Choice>
-        <mc:Fallback>
+        <mc:Fallback xmlns="">
           <p:sp>
             <p:nvSpPr>
               <p:cNvPr id="12" name="ZoneTexte 11">
@@ -16704,7 +17078,7 @@
 </p:sld>
 </file>
 
-<file path=ppt/slides/slide21.xml><?xml version="1.0" encoding="utf-8"?>
+<file path=ppt/slides/slide22.xml><?xml version="1.0" encoding="utf-8"?>
 <p:sld xmlns:a="http://schemas.openxmlformats.org/drawingml/2006/main" xmlns:r="http://schemas.openxmlformats.org/officeDocument/2006/relationships" xmlns:p="http://schemas.openxmlformats.org/presentationml/2006/main">
   <p:cSld>
     <p:spTree>
@@ -16843,7 +17217,7 @@
           <a:p>
             <a:fld id="{B2DC25EE-239B-4C5F-AAD1-255A7D5F1EE2}" type="slidenum">
               <a:rPr lang="en-US" smtClean="0"/>
-              <a:t>21</a:t>
+              <a:t>22</a:t>
             </a:fld>
             <a:endParaRPr lang="en-US"/>
           </a:p>
@@ -16965,307 +17339,6 @@
     <p:extLst>
       <p:ext uri="{BB962C8B-B14F-4D97-AF65-F5344CB8AC3E}">
         <p14:creationId xmlns:p14="http://schemas.microsoft.com/office/powerpoint/2010/main" val="4285760371"/>
-      </p:ext>
-    </p:extLst>
-  </p:cSld>
-  <p:clrMapOvr>
-    <a:masterClrMapping/>
-  </p:clrMapOvr>
-</p:sld>
-</file>
-
-<file path=ppt/slides/slide22.xml><?xml version="1.0" encoding="utf-8"?>
-<p:sld xmlns:a="http://schemas.openxmlformats.org/drawingml/2006/main" xmlns:r="http://schemas.openxmlformats.org/officeDocument/2006/relationships" xmlns:p="http://schemas.openxmlformats.org/presentationml/2006/main">
-  <p:cSld>
-    <p:bg>
-      <p:bgPr>
-        <a:solidFill>
-          <a:schemeClr val="bg1">
-            <a:lumMod val="95000"/>
-          </a:schemeClr>
-        </a:solidFill>
-        <a:effectLst/>
-      </p:bgPr>
-    </p:bg>
-    <p:spTree>
-      <p:nvGrpSpPr>
-        <p:cNvPr id="1" name=""/>
-        <p:cNvGrpSpPr/>
-        <p:nvPr/>
-      </p:nvGrpSpPr>
-      <p:grpSpPr>
-        <a:xfrm>
-          <a:off x="0" y="0"/>
-          <a:ext cx="0" cy="0"/>
-          <a:chOff x="0" y="0"/>
-          <a:chExt cx="0" cy="0"/>
-        </a:xfrm>
-      </p:grpSpPr>
-      <p:sp>
-        <p:nvSpPr>
-          <p:cNvPr id="2" name="Titre 1">
-            <a:extLst>
-              <a:ext uri="{FF2B5EF4-FFF2-40B4-BE49-F238E27FC236}">
-                <a16:creationId xmlns:a16="http://schemas.microsoft.com/office/drawing/2014/main" id="{90162AE8-C1B0-5C56-8313-DEE494F38273}"/>
-              </a:ext>
-            </a:extLst>
-          </p:cNvPr>
-          <p:cNvSpPr>
-            <a:spLocks noGrp="1"/>
-          </p:cNvSpPr>
-          <p:nvPr>
-            <p:ph type="title"/>
-          </p:nvPr>
-        </p:nvSpPr>
-        <p:spPr/>
-        <p:txBody>
-          <a:bodyPr>
-            <a:normAutofit/>
-          </a:bodyPr>
-          <a:lstStyle/>
-          <a:p>
-            <a:r>
-              <a:rPr lang="fr-FR" dirty="0"/>
-              <a:t>Un peu de maths…</a:t>
-            </a:r>
-          </a:p>
-        </p:txBody>
-      </p:sp>
-      <p:sp>
-        <p:nvSpPr>
-          <p:cNvPr id="3" name="Espace réservé du contenu 2">
-            <a:extLst>
-              <a:ext uri="{FF2B5EF4-FFF2-40B4-BE49-F238E27FC236}">
-                <a16:creationId xmlns:a16="http://schemas.microsoft.com/office/drawing/2014/main" id="{E0BBB9DE-019C-C741-F224-494739D4B752}"/>
-              </a:ext>
-            </a:extLst>
-          </p:cNvPr>
-          <p:cNvSpPr>
-            <a:spLocks noGrp="1"/>
-          </p:cNvSpPr>
-          <p:nvPr>
-            <p:ph sz="half" idx="1"/>
-          </p:nvPr>
-        </p:nvSpPr>
-        <p:spPr/>
-        <p:txBody>
-          <a:bodyPr/>
-          <a:lstStyle/>
-          <a:p>
-            <a:r>
-              <a:rPr lang="fr-FR" dirty="0"/>
-              <a:t>Lien entre réponse en fréquence et impulsion ?</a:t>
-            </a:r>
-          </a:p>
-        </p:txBody>
-      </p:sp>
-      <p:sp>
-        <p:nvSpPr>
-          <p:cNvPr id="4" name="Espace réservé du numéro de diapositive 3">
-            <a:extLst>
-              <a:ext uri="{FF2B5EF4-FFF2-40B4-BE49-F238E27FC236}">
-                <a16:creationId xmlns:a16="http://schemas.microsoft.com/office/drawing/2014/main" id="{F08CDEFC-50F0-4C47-46AC-D28A2807E4F8}"/>
-              </a:ext>
-            </a:extLst>
-          </p:cNvPr>
-          <p:cNvSpPr>
-            <a:spLocks noGrp="1"/>
-          </p:cNvSpPr>
-          <p:nvPr>
-            <p:ph type="sldNum" sz="quarter" idx="12"/>
-          </p:nvPr>
-        </p:nvSpPr>
-        <p:spPr/>
-        <p:txBody>
-          <a:bodyPr/>
-          <a:lstStyle/>
-          <a:p>
-            <a:fld id="{B2DC25EE-239B-4C5F-AAD1-255A7D5F1EE2}" type="slidenum">
-              <a:rPr lang="en-US" smtClean="0"/>
-              <a:t>22</a:t>
-            </a:fld>
-            <a:endParaRPr lang="en-US" dirty="0"/>
-          </a:p>
-        </p:txBody>
-      </p:sp>
-      <p:pic>
-        <p:nvPicPr>
-          <p:cNvPr id="5" name="Image 4" descr="Une image contenant texte&#10;&#10;Description générée automatiquement">
-            <a:extLst>
-              <a:ext uri="{FF2B5EF4-FFF2-40B4-BE49-F238E27FC236}">
-                <a16:creationId xmlns:a16="http://schemas.microsoft.com/office/drawing/2014/main" id="{66D2630B-81F4-A4EB-21BA-8B90CF30BD92}"/>
-              </a:ext>
-            </a:extLst>
-          </p:cNvPr>
-          <p:cNvPicPr>
-            <a:picLocks noChangeAspect="1"/>
-          </p:cNvPicPr>
-          <p:nvPr/>
-        </p:nvPicPr>
-        <p:blipFill>
-          <a:blip r:embed="rId2">
-            <a:extLst>
-              <a:ext uri="{28A0092B-C50C-407E-A947-70E740481C1C}">
-                <a14:useLocalDpi xmlns:a14="http://schemas.microsoft.com/office/drawing/2010/main" val="0"/>
-              </a:ext>
-            </a:extLst>
-          </a:blip>
-          <a:stretch>
-            <a:fillRect/>
-          </a:stretch>
-        </p:blipFill>
-        <p:spPr>
-          <a:xfrm>
-            <a:off x="202922" y="5934456"/>
-            <a:ext cx="1825291" cy="749808"/>
-          </a:xfrm>
-          <a:prstGeom prst="rect">
-            <a:avLst/>
-          </a:prstGeom>
-        </p:spPr>
-      </p:pic>
-      <p:pic>
-        <p:nvPicPr>
-          <p:cNvPr id="8" name="Image 7" descr="Une image contenant graphique&#10;&#10;Description générée automatiquement">
-            <a:extLst>
-              <a:ext uri="{FF2B5EF4-FFF2-40B4-BE49-F238E27FC236}">
-                <a16:creationId xmlns:a16="http://schemas.microsoft.com/office/drawing/2014/main" id="{B55952E2-59A9-BA04-22F2-2F0D3A14B301}"/>
-              </a:ext>
-            </a:extLst>
-          </p:cNvPr>
-          <p:cNvPicPr>
-            <a:picLocks noChangeAspect="1"/>
-          </p:cNvPicPr>
-          <p:nvPr/>
-        </p:nvPicPr>
-        <p:blipFill>
-          <a:blip r:embed="rId3">
-            <a:extLst>
-              <a:ext uri="{28A0092B-C50C-407E-A947-70E740481C1C}">
-                <a14:useLocalDpi xmlns:a14="http://schemas.microsoft.com/office/drawing/2010/main" val="0"/>
-              </a:ext>
-            </a:extLst>
-          </a:blip>
-          <a:stretch>
-            <a:fillRect/>
-          </a:stretch>
-        </p:blipFill>
-        <p:spPr>
-          <a:xfrm>
-            <a:off x="6614931" y="2606618"/>
-            <a:ext cx="4754109" cy="3565582"/>
-          </a:xfrm>
-          <a:prstGeom prst="rect">
-            <a:avLst/>
-          </a:prstGeom>
-        </p:spPr>
-      </p:pic>
-      <p:sp>
-        <p:nvSpPr>
-          <p:cNvPr id="14" name="ZoneTexte 13">
-            <a:extLst>
-              <a:ext uri="{FF2B5EF4-FFF2-40B4-BE49-F238E27FC236}">
-                <a16:creationId xmlns:a16="http://schemas.microsoft.com/office/drawing/2014/main" id="{E708E104-A50B-E057-A3E9-C7A17057FDA6}"/>
-              </a:ext>
-            </a:extLst>
-          </p:cNvPr>
-          <p:cNvSpPr txBox="1"/>
-          <p:nvPr/>
-        </p:nvSpPr>
-        <p:spPr>
-          <a:xfrm>
-            <a:off x="822960" y="3586856"/>
-            <a:ext cx="4765173" cy="646331"/>
-          </a:xfrm>
-          <a:prstGeom prst="rect">
-            <a:avLst/>
-          </a:prstGeom>
-          <a:solidFill>
-            <a:schemeClr val="accent1">
-              <a:lumMod val="40000"/>
-              <a:lumOff val="60000"/>
-            </a:schemeClr>
-          </a:solidFill>
-        </p:spPr>
-        <p:txBody>
-          <a:bodyPr wrap="square" rtlCol="0">
-            <a:spAutoFit/>
-          </a:bodyPr>
-          <a:lstStyle/>
-          <a:p>
-            <a:r>
-              <a:rPr lang="fr-FR" dirty="0"/>
-              <a:t>t </a:t>
-            </a:r>
-            <a:r>
-              <a:rPr lang="fr-FR" b="1" dirty="0"/>
-              <a:t>=</a:t>
-            </a:r>
-            <a:r>
-              <a:rPr lang="fr-FR" dirty="0"/>
-              <a:t> </a:t>
-            </a:r>
-            <a:r>
-              <a:rPr lang="fr-FR" dirty="0" err="1"/>
-              <a:t>np.</a:t>
-            </a:r>
-            <a:r>
-              <a:rPr lang="fr-FR" b="1" dirty="0" err="1"/>
-              <a:t>linspace</a:t>
-            </a:r>
-            <a:r>
-              <a:rPr lang="fr-FR" dirty="0"/>
-              <a:t>(0, 1, 1001)</a:t>
-            </a:r>
-          </a:p>
-          <a:p>
-            <a:r>
-              <a:rPr lang="fr-FR" dirty="0"/>
-              <a:t>t, y </a:t>
-            </a:r>
-            <a:r>
-              <a:rPr lang="fr-FR" b="1" dirty="0"/>
-              <a:t>=</a:t>
-            </a:r>
-            <a:r>
-              <a:rPr lang="fr-FR" dirty="0"/>
-              <a:t> </a:t>
-            </a:r>
-            <a:r>
-              <a:rPr lang="fr-FR" dirty="0" err="1"/>
-              <a:t>ct</a:t>
-            </a:r>
-            <a:r>
-              <a:rPr lang="fr-FR" b="1" dirty="0" err="1"/>
-              <a:t>.impulse_response</a:t>
-            </a:r>
-            <a:r>
-              <a:rPr lang="fr-FR" dirty="0"/>
-              <a:t>(</a:t>
-            </a:r>
-            <a:r>
-              <a:rPr lang="fr-FR" dirty="0" err="1"/>
-              <a:t>tf_sys</a:t>
-            </a:r>
-            <a:r>
-              <a:rPr lang="fr-FR" dirty="0"/>
-              <a:t>, T</a:t>
-            </a:r>
-            <a:r>
-              <a:rPr lang="fr-FR" b="1" dirty="0"/>
-              <a:t>=</a:t>
-            </a:r>
-            <a:r>
-              <a:rPr lang="fr-FR" dirty="0"/>
-              <a:t>t)</a:t>
-            </a:r>
-          </a:p>
-        </p:txBody>
-      </p:sp>
-    </p:spTree>
-    <p:extLst>
-      <p:ext uri="{BB962C8B-B14F-4D97-AF65-F5344CB8AC3E}">
-        <p14:creationId xmlns:p14="http://schemas.microsoft.com/office/powerpoint/2010/main" val="2453747037"/>
       </p:ext>
     </p:extLst>
   </p:cSld>
@@ -17302,6 +17375,307 @@
           <a:chExt cx="0" cy="0"/>
         </a:xfrm>
       </p:grpSpPr>
+      <p:sp>
+        <p:nvSpPr>
+          <p:cNvPr id="2" name="Titre 1">
+            <a:extLst>
+              <a:ext uri="{FF2B5EF4-FFF2-40B4-BE49-F238E27FC236}">
+                <a16:creationId xmlns:a16="http://schemas.microsoft.com/office/drawing/2014/main" id="{90162AE8-C1B0-5C56-8313-DEE494F38273}"/>
+              </a:ext>
+            </a:extLst>
+          </p:cNvPr>
+          <p:cNvSpPr>
+            <a:spLocks noGrp="1"/>
+          </p:cNvSpPr>
+          <p:nvPr>
+            <p:ph type="title"/>
+          </p:nvPr>
+        </p:nvSpPr>
+        <p:spPr/>
+        <p:txBody>
+          <a:bodyPr>
+            <a:normAutofit/>
+          </a:bodyPr>
+          <a:lstStyle/>
+          <a:p>
+            <a:r>
+              <a:rPr lang="fr-FR" dirty="0"/>
+              <a:t>Un peu de maths…</a:t>
+            </a:r>
+          </a:p>
+        </p:txBody>
+      </p:sp>
+      <p:sp>
+        <p:nvSpPr>
+          <p:cNvPr id="3" name="Espace réservé du contenu 2">
+            <a:extLst>
+              <a:ext uri="{FF2B5EF4-FFF2-40B4-BE49-F238E27FC236}">
+                <a16:creationId xmlns:a16="http://schemas.microsoft.com/office/drawing/2014/main" id="{E0BBB9DE-019C-C741-F224-494739D4B752}"/>
+              </a:ext>
+            </a:extLst>
+          </p:cNvPr>
+          <p:cNvSpPr>
+            <a:spLocks noGrp="1"/>
+          </p:cNvSpPr>
+          <p:nvPr>
+            <p:ph sz="half" idx="1"/>
+          </p:nvPr>
+        </p:nvSpPr>
+        <p:spPr/>
+        <p:txBody>
+          <a:bodyPr/>
+          <a:lstStyle/>
+          <a:p>
+            <a:r>
+              <a:rPr lang="fr-FR" dirty="0"/>
+              <a:t>Lien entre réponse en fréquence et impulsion ?</a:t>
+            </a:r>
+          </a:p>
+        </p:txBody>
+      </p:sp>
+      <p:sp>
+        <p:nvSpPr>
+          <p:cNvPr id="4" name="Espace réservé du numéro de diapositive 3">
+            <a:extLst>
+              <a:ext uri="{FF2B5EF4-FFF2-40B4-BE49-F238E27FC236}">
+                <a16:creationId xmlns:a16="http://schemas.microsoft.com/office/drawing/2014/main" id="{F08CDEFC-50F0-4C47-46AC-D28A2807E4F8}"/>
+              </a:ext>
+            </a:extLst>
+          </p:cNvPr>
+          <p:cNvSpPr>
+            <a:spLocks noGrp="1"/>
+          </p:cNvSpPr>
+          <p:nvPr>
+            <p:ph type="sldNum" sz="quarter" idx="12"/>
+          </p:nvPr>
+        </p:nvSpPr>
+        <p:spPr/>
+        <p:txBody>
+          <a:bodyPr/>
+          <a:lstStyle/>
+          <a:p>
+            <a:fld id="{B2DC25EE-239B-4C5F-AAD1-255A7D5F1EE2}" type="slidenum">
+              <a:rPr lang="en-US" smtClean="0"/>
+              <a:t>23</a:t>
+            </a:fld>
+            <a:endParaRPr lang="en-US" dirty="0"/>
+          </a:p>
+        </p:txBody>
+      </p:sp>
+      <p:pic>
+        <p:nvPicPr>
+          <p:cNvPr id="5" name="Image 4" descr="Une image contenant texte&#10;&#10;Description générée automatiquement">
+            <a:extLst>
+              <a:ext uri="{FF2B5EF4-FFF2-40B4-BE49-F238E27FC236}">
+                <a16:creationId xmlns:a16="http://schemas.microsoft.com/office/drawing/2014/main" id="{66D2630B-81F4-A4EB-21BA-8B90CF30BD92}"/>
+              </a:ext>
+            </a:extLst>
+          </p:cNvPr>
+          <p:cNvPicPr>
+            <a:picLocks noChangeAspect="1"/>
+          </p:cNvPicPr>
+          <p:nvPr/>
+        </p:nvPicPr>
+        <p:blipFill>
+          <a:blip r:embed="rId2">
+            <a:extLst>
+              <a:ext uri="{28A0092B-C50C-407E-A947-70E740481C1C}">
+                <a14:useLocalDpi xmlns:a14="http://schemas.microsoft.com/office/drawing/2010/main" val="0"/>
+              </a:ext>
+            </a:extLst>
+          </a:blip>
+          <a:stretch>
+            <a:fillRect/>
+          </a:stretch>
+        </p:blipFill>
+        <p:spPr>
+          <a:xfrm>
+            <a:off x="202922" y="5934456"/>
+            <a:ext cx="1825291" cy="749808"/>
+          </a:xfrm>
+          <a:prstGeom prst="rect">
+            <a:avLst/>
+          </a:prstGeom>
+        </p:spPr>
+      </p:pic>
+      <p:pic>
+        <p:nvPicPr>
+          <p:cNvPr id="8" name="Image 7" descr="Une image contenant graphique&#10;&#10;Description générée automatiquement">
+            <a:extLst>
+              <a:ext uri="{FF2B5EF4-FFF2-40B4-BE49-F238E27FC236}">
+                <a16:creationId xmlns:a16="http://schemas.microsoft.com/office/drawing/2014/main" id="{B55952E2-59A9-BA04-22F2-2F0D3A14B301}"/>
+              </a:ext>
+            </a:extLst>
+          </p:cNvPr>
+          <p:cNvPicPr>
+            <a:picLocks noChangeAspect="1"/>
+          </p:cNvPicPr>
+          <p:nvPr/>
+        </p:nvPicPr>
+        <p:blipFill>
+          <a:blip r:embed="rId3">
+            <a:extLst>
+              <a:ext uri="{28A0092B-C50C-407E-A947-70E740481C1C}">
+                <a14:useLocalDpi xmlns:a14="http://schemas.microsoft.com/office/drawing/2010/main" val="0"/>
+              </a:ext>
+            </a:extLst>
+          </a:blip>
+          <a:stretch>
+            <a:fillRect/>
+          </a:stretch>
+        </p:blipFill>
+        <p:spPr>
+          <a:xfrm>
+            <a:off x="6614931" y="2606618"/>
+            <a:ext cx="4754109" cy="3565582"/>
+          </a:xfrm>
+          <a:prstGeom prst="rect">
+            <a:avLst/>
+          </a:prstGeom>
+        </p:spPr>
+      </p:pic>
+      <p:sp>
+        <p:nvSpPr>
+          <p:cNvPr id="14" name="ZoneTexte 13">
+            <a:extLst>
+              <a:ext uri="{FF2B5EF4-FFF2-40B4-BE49-F238E27FC236}">
+                <a16:creationId xmlns:a16="http://schemas.microsoft.com/office/drawing/2014/main" id="{E708E104-A50B-E057-A3E9-C7A17057FDA6}"/>
+              </a:ext>
+            </a:extLst>
+          </p:cNvPr>
+          <p:cNvSpPr txBox="1"/>
+          <p:nvPr/>
+        </p:nvSpPr>
+        <p:spPr>
+          <a:xfrm>
+            <a:off x="822960" y="3586856"/>
+            <a:ext cx="4765173" cy="646331"/>
+          </a:xfrm>
+          <a:prstGeom prst="rect">
+            <a:avLst/>
+          </a:prstGeom>
+          <a:solidFill>
+            <a:schemeClr val="accent1">
+              <a:lumMod val="40000"/>
+              <a:lumOff val="60000"/>
+            </a:schemeClr>
+          </a:solidFill>
+        </p:spPr>
+        <p:txBody>
+          <a:bodyPr wrap="square" rtlCol="0">
+            <a:spAutoFit/>
+          </a:bodyPr>
+          <a:lstStyle/>
+          <a:p>
+            <a:r>
+              <a:rPr lang="fr-FR" dirty="0"/>
+              <a:t>t </a:t>
+            </a:r>
+            <a:r>
+              <a:rPr lang="fr-FR" b="1" dirty="0"/>
+              <a:t>=</a:t>
+            </a:r>
+            <a:r>
+              <a:rPr lang="fr-FR" dirty="0"/>
+              <a:t> </a:t>
+            </a:r>
+            <a:r>
+              <a:rPr lang="fr-FR" dirty="0" err="1"/>
+              <a:t>np.</a:t>
+            </a:r>
+            <a:r>
+              <a:rPr lang="fr-FR" b="1" dirty="0" err="1"/>
+              <a:t>linspace</a:t>
+            </a:r>
+            <a:r>
+              <a:rPr lang="fr-FR" dirty="0"/>
+              <a:t>(0, 1, 1001)</a:t>
+            </a:r>
+          </a:p>
+          <a:p>
+            <a:r>
+              <a:rPr lang="fr-FR" dirty="0"/>
+              <a:t>t, y </a:t>
+            </a:r>
+            <a:r>
+              <a:rPr lang="fr-FR" b="1" dirty="0"/>
+              <a:t>=</a:t>
+            </a:r>
+            <a:r>
+              <a:rPr lang="fr-FR" dirty="0"/>
+              <a:t> </a:t>
+            </a:r>
+            <a:r>
+              <a:rPr lang="fr-FR" dirty="0" err="1"/>
+              <a:t>ct</a:t>
+            </a:r>
+            <a:r>
+              <a:rPr lang="fr-FR" b="1" dirty="0" err="1"/>
+              <a:t>.impulse_response</a:t>
+            </a:r>
+            <a:r>
+              <a:rPr lang="fr-FR" dirty="0"/>
+              <a:t>(</a:t>
+            </a:r>
+            <a:r>
+              <a:rPr lang="fr-FR" dirty="0" err="1"/>
+              <a:t>tf_sys</a:t>
+            </a:r>
+            <a:r>
+              <a:rPr lang="fr-FR" dirty="0"/>
+              <a:t>, T</a:t>
+            </a:r>
+            <a:r>
+              <a:rPr lang="fr-FR" b="1" dirty="0"/>
+              <a:t>=</a:t>
+            </a:r>
+            <a:r>
+              <a:rPr lang="fr-FR" dirty="0"/>
+              <a:t>t)</a:t>
+            </a:r>
+          </a:p>
+        </p:txBody>
+      </p:sp>
+    </p:spTree>
+    <p:extLst>
+      <p:ext uri="{BB962C8B-B14F-4D97-AF65-F5344CB8AC3E}">
+        <p14:creationId xmlns:p14="http://schemas.microsoft.com/office/powerpoint/2010/main" val="2453747037"/>
+      </p:ext>
+    </p:extLst>
+  </p:cSld>
+  <p:clrMapOvr>
+    <a:masterClrMapping/>
+  </p:clrMapOvr>
+</p:sld>
+</file>
+
+<file path=ppt/slides/slide24.xml><?xml version="1.0" encoding="utf-8"?>
+<p:sld xmlns:a="http://schemas.openxmlformats.org/drawingml/2006/main" xmlns:r="http://schemas.openxmlformats.org/officeDocument/2006/relationships" xmlns:p="http://schemas.openxmlformats.org/presentationml/2006/main">
+  <p:cSld>
+    <p:bg>
+      <p:bgPr>
+        <a:solidFill>
+          <a:schemeClr val="bg1">
+            <a:lumMod val="95000"/>
+          </a:schemeClr>
+        </a:solidFill>
+        <a:effectLst/>
+      </p:bgPr>
+    </p:bg>
+    <p:spTree>
+      <p:nvGrpSpPr>
+        <p:cNvPr id="1" name=""/>
+        <p:cNvGrpSpPr/>
+        <p:nvPr/>
+      </p:nvGrpSpPr>
+      <p:grpSpPr>
+        <a:xfrm>
+          <a:off x="0" y="0"/>
+          <a:ext cx="0" cy="0"/>
+          <a:chOff x="0" y="0"/>
+          <a:chExt cx="0" cy="0"/>
+        </a:xfrm>
+      </p:grpSpPr>
       <p:pic>
         <p:nvPicPr>
           <p:cNvPr id="9" name="Image 8" descr="Une image contenant graphique&#10;&#10;Description générée automatiquement">
@@ -17391,7 +17765,7 @@
           <a:p>
             <a:fld id="{B2DC25EE-239B-4C5F-AAD1-255A7D5F1EE2}" type="slidenum">
               <a:rPr lang="en-US" smtClean="0"/>
-              <a:t>23</a:t>
+              <a:t>24</a:t>
             </a:fld>
             <a:endParaRPr lang="en-US" dirty="0"/>
           </a:p>
@@ -17945,7 +18319,7 @@
 </p:sld>
 </file>
 
-<file path=ppt/slides/slide24.xml><?xml version="1.0" encoding="utf-8"?>
+<file path=ppt/slides/slide25.xml><?xml version="1.0" encoding="utf-8"?>
 <p:sld xmlns:a="http://schemas.openxmlformats.org/drawingml/2006/main" xmlns:r="http://schemas.openxmlformats.org/officeDocument/2006/relationships" xmlns:p="http://schemas.openxmlformats.org/presentationml/2006/main">
   <p:cSld>
     <p:spTree>
@@ -18084,7 +18458,7 @@
           <a:p>
             <a:fld id="{B2DC25EE-239B-4C5F-AAD1-255A7D5F1EE2}" type="slidenum">
               <a:rPr lang="en-US" smtClean="0"/>
-              <a:t>24</a:t>
+              <a:t>25</a:t>
             </a:fld>
             <a:endParaRPr lang="en-US"/>
           </a:p>
@@ -18265,335 +18639,6 @@
     <p:extLst>
       <p:ext uri="{BB962C8B-B14F-4D97-AF65-F5344CB8AC3E}">
         <p14:creationId xmlns:p14="http://schemas.microsoft.com/office/powerpoint/2010/main" val="1428276290"/>
-      </p:ext>
-    </p:extLst>
-  </p:cSld>
-  <p:clrMapOvr>
-    <a:masterClrMapping/>
-  </p:clrMapOvr>
-</p:sld>
-</file>
-
-<file path=ppt/slides/slide25.xml><?xml version="1.0" encoding="utf-8"?>
-<p:sld xmlns:a="http://schemas.openxmlformats.org/drawingml/2006/main" xmlns:r="http://schemas.openxmlformats.org/officeDocument/2006/relationships" xmlns:p="http://schemas.openxmlformats.org/presentationml/2006/main">
-  <p:cSld>
-    <p:bg>
-      <p:bgPr>
-        <a:solidFill>
-          <a:schemeClr val="bg1">
-            <a:lumMod val="95000"/>
-          </a:schemeClr>
-        </a:solidFill>
-        <a:effectLst/>
-      </p:bgPr>
-    </p:bg>
-    <p:spTree>
-      <p:nvGrpSpPr>
-        <p:cNvPr id="1" name=""/>
-        <p:cNvGrpSpPr/>
-        <p:nvPr/>
-      </p:nvGrpSpPr>
-      <p:grpSpPr>
-        <a:xfrm>
-          <a:off x="0" y="0"/>
-          <a:ext cx="0" cy="0"/>
-          <a:chOff x="0" y="0"/>
-          <a:chExt cx="0" cy="0"/>
-        </a:xfrm>
-      </p:grpSpPr>
-      <p:sp>
-        <p:nvSpPr>
-          <p:cNvPr id="2" name="Titre 1">
-            <a:extLst>
-              <a:ext uri="{FF2B5EF4-FFF2-40B4-BE49-F238E27FC236}">
-                <a16:creationId xmlns:a16="http://schemas.microsoft.com/office/drawing/2014/main" id="{90162AE8-C1B0-5C56-8313-DEE494F38273}"/>
-              </a:ext>
-            </a:extLst>
-          </p:cNvPr>
-          <p:cNvSpPr>
-            <a:spLocks noGrp="1"/>
-          </p:cNvSpPr>
-          <p:nvPr>
-            <p:ph type="title"/>
-          </p:nvPr>
-        </p:nvSpPr>
-        <p:spPr/>
-        <p:txBody>
-          <a:bodyPr>
-            <a:normAutofit/>
-          </a:bodyPr>
-          <a:lstStyle/>
-          <a:p>
-            <a:r>
-              <a:rPr lang="fr-FR" dirty="0"/>
-              <a:t>Approche Système</a:t>
-            </a:r>
-          </a:p>
-        </p:txBody>
-      </p:sp>
-      <p:sp>
-        <p:nvSpPr>
-          <p:cNvPr id="3" name="Espace réservé du contenu 2">
-            <a:extLst>
-              <a:ext uri="{FF2B5EF4-FFF2-40B4-BE49-F238E27FC236}">
-                <a16:creationId xmlns:a16="http://schemas.microsoft.com/office/drawing/2014/main" id="{E0BBB9DE-019C-C741-F224-494739D4B752}"/>
-              </a:ext>
-            </a:extLst>
-          </p:cNvPr>
-          <p:cNvSpPr>
-            <a:spLocks noGrp="1"/>
-          </p:cNvSpPr>
-          <p:nvPr>
-            <p:ph sz="half" idx="1"/>
-          </p:nvPr>
-        </p:nvSpPr>
-        <p:spPr/>
-        <p:txBody>
-          <a:bodyPr/>
-          <a:lstStyle/>
-          <a:p>
-            <a:r>
-              <a:rPr lang="fr-FR" dirty="0" err="1"/>
-              <a:t>MatLab</a:t>
-            </a:r>
-            <a:r>
-              <a:rPr lang="fr-FR" dirty="0"/>
-              <a:t> et Simulink</a:t>
-            </a:r>
-          </a:p>
-        </p:txBody>
-      </p:sp>
-      <p:sp>
-        <p:nvSpPr>
-          <p:cNvPr id="4" name="Espace réservé du numéro de diapositive 3">
-            <a:extLst>
-              <a:ext uri="{FF2B5EF4-FFF2-40B4-BE49-F238E27FC236}">
-                <a16:creationId xmlns:a16="http://schemas.microsoft.com/office/drawing/2014/main" id="{F08CDEFC-50F0-4C47-46AC-D28A2807E4F8}"/>
-              </a:ext>
-            </a:extLst>
-          </p:cNvPr>
-          <p:cNvSpPr>
-            <a:spLocks noGrp="1"/>
-          </p:cNvSpPr>
-          <p:nvPr>
-            <p:ph type="sldNum" sz="quarter" idx="12"/>
-          </p:nvPr>
-        </p:nvSpPr>
-        <p:spPr/>
-        <p:txBody>
-          <a:bodyPr/>
-          <a:lstStyle/>
-          <a:p>
-            <a:fld id="{B2DC25EE-239B-4C5F-AAD1-255A7D5F1EE2}" type="slidenum">
-              <a:rPr lang="en-US" smtClean="0"/>
-              <a:t>25</a:t>
-            </a:fld>
-            <a:endParaRPr lang="en-US" dirty="0"/>
-          </a:p>
-        </p:txBody>
-      </p:sp>
-      <p:pic>
-        <p:nvPicPr>
-          <p:cNvPr id="5" name="Image 4" descr="Une image contenant texte&#10;&#10;Description générée automatiquement">
-            <a:extLst>
-              <a:ext uri="{FF2B5EF4-FFF2-40B4-BE49-F238E27FC236}">
-                <a16:creationId xmlns:a16="http://schemas.microsoft.com/office/drawing/2014/main" id="{66D2630B-81F4-A4EB-21BA-8B90CF30BD92}"/>
-              </a:ext>
-            </a:extLst>
-          </p:cNvPr>
-          <p:cNvPicPr>
-            <a:picLocks noChangeAspect="1"/>
-          </p:cNvPicPr>
-          <p:nvPr/>
-        </p:nvPicPr>
-        <p:blipFill>
-          <a:blip r:embed="rId2">
-            <a:extLst>
-              <a:ext uri="{28A0092B-C50C-407E-A947-70E740481C1C}">
-                <a14:useLocalDpi xmlns:a14="http://schemas.microsoft.com/office/drawing/2010/main" val="0"/>
-              </a:ext>
-            </a:extLst>
-          </a:blip>
-          <a:stretch>
-            <a:fillRect/>
-          </a:stretch>
-        </p:blipFill>
-        <p:spPr>
-          <a:xfrm>
-            <a:off x="202922" y="5934456"/>
-            <a:ext cx="1825291" cy="749808"/>
-          </a:xfrm>
-          <a:prstGeom prst="rect">
-            <a:avLst/>
-          </a:prstGeom>
-        </p:spPr>
-      </p:pic>
-      <p:pic>
-        <p:nvPicPr>
-          <p:cNvPr id="1026" name="Picture 2">
-            <a:extLst>
-              <a:ext uri="{FF2B5EF4-FFF2-40B4-BE49-F238E27FC236}">
-                <a16:creationId xmlns:a16="http://schemas.microsoft.com/office/drawing/2014/main" id="{7DA98402-A079-1782-A1CD-63F14C44D2A7}"/>
-              </a:ext>
-            </a:extLst>
-          </p:cNvPr>
-          <p:cNvPicPr>
-            <a:picLocks noChangeAspect="1" noChangeArrowheads="1"/>
-          </p:cNvPicPr>
-          <p:nvPr/>
-        </p:nvPicPr>
-        <p:blipFill>
-          <a:blip r:embed="rId3">
-            <a:extLst>
-              <a:ext uri="{28A0092B-C50C-407E-A947-70E740481C1C}">
-                <a14:useLocalDpi xmlns:a14="http://schemas.microsoft.com/office/drawing/2010/main" val="0"/>
-              </a:ext>
-            </a:extLst>
-          </a:blip>
-          <a:srcRect/>
-          <a:stretch>
-            <a:fillRect/>
-          </a:stretch>
-        </p:blipFill>
-        <p:spPr bwMode="auto">
-          <a:xfrm>
-            <a:off x="6199632" y="2478024"/>
-            <a:ext cx="5501823" cy="3459480"/>
-          </a:xfrm>
-          <a:prstGeom prst="rect">
-            <a:avLst/>
-          </a:prstGeom>
-          <a:noFill/>
-          <a:extLst>
-            <a:ext uri="{909E8E84-426E-40DD-AFC4-6F175D3DCCD1}">
-              <a14:hiddenFill xmlns:a14="http://schemas.microsoft.com/office/drawing/2010/main">
-                <a:solidFill>
-                  <a:srgbClr val="FFFFFF"/>
-                </a:solidFill>
-              </a14:hiddenFill>
-            </a:ext>
-          </a:extLst>
-        </p:spPr>
-      </p:pic>
-      <p:sp>
-        <p:nvSpPr>
-          <p:cNvPr id="7" name="ZoneTexte 6">
-            <a:extLst>
-              <a:ext uri="{FF2B5EF4-FFF2-40B4-BE49-F238E27FC236}">
-                <a16:creationId xmlns:a16="http://schemas.microsoft.com/office/drawing/2014/main" id="{B403AF18-6A30-BCC2-40C4-662BD4863B16}"/>
-              </a:ext>
-            </a:extLst>
-          </p:cNvPr>
-          <p:cNvSpPr txBox="1"/>
-          <p:nvPr/>
-        </p:nvSpPr>
-        <p:spPr>
-          <a:xfrm>
-            <a:off x="10044454" y="5987958"/>
-            <a:ext cx="1756058" cy="307777"/>
-          </a:xfrm>
-          <a:prstGeom prst="rect">
-            <a:avLst/>
-          </a:prstGeom>
-          <a:noFill/>
-        </p:spPr>
-        <p:txBody>
-          <a:bodyPr wrap="none" rtlCol="0">
-            <a:spAutoFit/>
-          </a:bodyPr>
-          <a:lstStyle/>
-          <a:p>
-            <a:r>
-              <a:rPr lang="fr-FR" sz="1400" dirty="0" err="1">
-                <a:solidFill>
-                  <a:schemeClr val="bg1">
-                    <a:lumMod val="50000"/>
-                  </a:schemeClr>
-                </a:solidFill>
-              </a:rPr>
-              <a:t>Mathworks</a:t>
-            </a:r>
-            <a:r>
-              <a:rPr lang="fr-FR" sz="1400" dirty="0">
-                <a:solidFill>
-                  <a:schemeClr val="bg1">
-                    <a:lumMod val="50000"/>
-                  </a:schemeClr>
-                </a:solidFill>
-              </a:rPr>
-              <a:t> </a:t>
-            </a:r>
-            <a:r>
-              <a:rPr lang="fr-FR" sz="1400" dirty="0" err="1">
-                <a:solidFill>
-                  <a:schemeClr val="bg1">
-                    <a:lumMod val="50000"/>
-                  </a:schemeClr>
-                </a:solidFill>
-              </a:rPr>
-              <a:t>website</a:t>
-            </a:r>
-            <a:endParaRPr lang="fr-FR" sz="1200" dirty="0">
-              <a:solidFill>
-                <a:schemeClr val="bg1">
-                  <a:lumMod val="50000"/>
-                </a:schemeClr>
-              </a:solidFill>
-            </a:endParaRPr>
-          </a:p>
-        </p:txBody>
-      </p:sp>
-      <p:pic>
-        <p:nvPicPr>
-          <p:cNvPr id="1030" name="Picture 6" descr="About MATLAB and Simulink - Matlab &amp; Simulink - MATLAB &amp; Simulink -  İstanbul Okan Üniversitesi">
-            <a:extLst>
-              <a:ext uri="{FF2B5EF4-FFF2-40B4-BE49-F238E27FC236}">
-                <a16:creationId xmlns:a16="http://schemas.microsoft.com/office/drawing/2014/main" id="{0CE6D92D-FCC8-CBF0-5214-3F73FADCC570}"/>
-              </a:ext>
-            </a:extLst>
-          </p:cNvPr>
-          <p:cNvPicPr>
-            <a:picLocks noChangeAspect="1" noChangeArrowheads="1"/>
-          </p:cNvPicPr>
-          <p:nvPr/>
-        </p:nvPicPr>
-        <p:blipFill>
-          <a:blip r:embed="rId4">
-            <a:extLst>
-              <a:ext uri="{28A0092B-C50C-407E-A947-70E740481C1C}">
-                <a14:useLocalDpi xmlns:a14="http://schemas.microsoft.com/office/drawing/2010/main" val="0"/>
-              </a:ext>
-            </a:extLst>
-          </a:blip>
-          <a:srcRect/>
-          <a:stretch>
-            <a:fillRect/>
-          </a:stretch>
-        </p:blipFill>
-        <p:spPr bwMode="auto">
-          <a:xfrm>
-            <a:off x="7676007" y="385191"/>
-            <a:ext cx="3400425" cy="1343025"/>
-          </a:xfrm>
-          <a:prstGeom prst="rect">
-            <a:avLst/>
-          </a:prstGeom>
-          <a:noFill/>
-          <a:extLst>
-            <a:ext uri="{909E8E84-426E-40DD-AFC4-6F175D3DCCD1}">
-              <a14:hiddenFill xmlns:a14="http://schemas.microsoft.com/office/drawing/2010/main">
-                <a:solidFill>
-                  <a:srgbClr val="FFFFFF"/>
-                </a:solidFill>
-              </a14:hiddenFill>
-            </a:ext>
-          </a:extLst>
-        </p:spPr>
-      </p:pic>
-    </p:spTree>
-    <p:extLst>
-      <p:ext uri="{BB962C8B-B14F-4D97-AF65-F5344CB8AC3E}">
-        <p14:creationId xmlns:p14="http://schemas.microsoft.com/office/powerpoint/2010/main" val="772389696"/>
       </p:ext>
     </p:extLst>
   </p:cSld>
@@ -18922,7 +18967,7 @@
     </p:spTree>
     <p:extLst>
       <p:ext uri="{BB962C8B-B14F-4D97-AF65-F5344CB8AC3E}">
-        <p14:creationId xmlns:p14="http://schemas.microsoft.com/office/powerpoint/2010/main" val="2130325519"/>
+        <p14:creationId xmlns:p14="http://schemas.microsoft.com/office/powerpoint/2010/main" val="772389696"/>
       </p:ext>
     </p:extLst>
   </p:cSld>
@@ -22066,7 +22111,7 @@
                 <a14:useLocalDpi xmlns:a14="http://schemas.microsoft.com/office/drawing/2010/main" val="0"/>
               </a:ext>
               <a:ext uri="{96DAC541-7B7A-43D3-8B79-37D633B846F1}">
-                <asvg:svgBlip xmlns:asvg="http://schemas.microsoft.com/office/drawing/2016/SVG/main" xmlns="" r:embed="rId6"/>
+                <asvg:svgBlip xmlns:asvg="http://schemas.microsoft.com/office/drawing/2016/SVG/main" r:embed="rId6"/>
               </a:ext>
             </a:extLst>
           </a:blip>
@@ -22126,8 +22171,8 @@
           </a:p>
         </p:txBody>
       </p:sp>
-      <mc:AlternateContent xmlns:mc="http://schemas.openxmlformats.org/markup-compatibility/2006">
-        <mc:Choice xmlns:a14="http://schemas.microsoft.com/office/drawing/2010/main" Requires="a14">
+      <mc:AlternateContent xmlns:mc="http://schemas.openxmlformats.org/markup-compatibility/2006" xmlns:a14="http://schemas.microsoft.com/office/drawing/2010/main">
+        <mc:Choice Requires="a14">
           <p:sp>
             <p:nvSpPr>
               <p:cNvPr id="6" name="ZoneTexte 5">
@@ -22867,7 +22912,7 @@
             </p:txBody>
           </p:sp>
         </mc:Choice>
-        <mc:Fallback>
+        <mc:Fallback xmlns="">
           <p:sp>
             <p:nvSpPr>
               <p:cNvPr id="6" name="ZoneTexte 5">
@@ -23018,10 +23063,6 @@
             <a:r>
               <a:rPr lang="fr-FR" sz="2000" i="1" dirty="0"/>
               <a:t>– Auteur</a:t>
-            </a:r>
-            <a:r>
-              <a:rPr lang="fr-FR" sz="2000" dirty="0"/>
-              <a:t/>
             </a:r>
             <a:br>
               <a:rPr lang="fr-FR" sz="2000" dirty="0"/>
@@ -23845,8 +23886,8 @@
           </a:p>
         </p:txBody>
       </p:sp>
-      <mc:AlternateContent xmlns:mc="http://schemas.openxmlformats.org/markup-compatibility/2006">
-        <mc:Choice xmlns:a14="http://schemas.microsoft.com/office/drawing/2010/main" Requires="a14">
+      <mc:AlternateContent xmlns:mc="http://schemas.openxmlformats.org/markup-compatibility/2006" xmlns:a14="http://schemas.microsoft.com/office/drawing/2010/main">
+        <mc:Choice Requires="a14">
           <p:sp>
             <p:nvSpPr>
               <p:cNvPr id="15" name="ZoneTexte 14">
@@ -24065,7 +24106,7 @@
             </p:txBody>
           </p:sp>
         </mc:Choice>
-        <mc:Fallback>
+        <mc:Fallback xmlns="">
           <p:sp>
             <p:nvSpPr>
               <p:cNvPr id="15" name="ZoneTexte 14">
